--- a/CTA_Tweets_Sentiment_Analysis.pptx
+++ b/CTA_Tweets_Sentiment_Analysis.pptx
@@ -5,7 +5,7 @@
     <p:sldMasterId id="2147483648" r:id="rId1"/>
   </p:sldMasterIdLst>
   <p:notesMasterIdLst>
-    <p:notesMasterId r:id="rId14"/>
+    <p:notesMasterId r:id="rId15"/>
   </p:notesMasterIdLst>
   <p:sldIdLst>
     <p:sldId id="256" r:id="rId2"/>
@@ -16,10 +16,11 @@
     <p:sldId id="266" r:id="rId7"/>
     <p:sldId id="267" r:id="rId8"/>
     <p:sldId id="273" r:id="rId9"/>
-    <p:sldId id="271" r:id="rId10"/>
-    <p:sldId id="275" r:id="rId11"/>
-    <p:sldId id="272" r:id="rId12"/>
-    <p:sldId id="276" r:id="rId13"/>
+    <p:sldId id="277" r:id="rId10"/>
+    <p:sldId id="271" r:id="rId11"/>
+    <p:sldId id="275" r:id="rId12"/>
+    <p:sldId id="272" r:id="rId13"/>
+    <p:sldId id="276" r:id="rId14"/>
   </p:sldIdLst>
   <p:sldSz cx="12192000" cy="6858000"/>
   <p:notesSz cx="6858000" cy="9144000"/>
@@ -476,6 +477,144 @@
 </c:chartSpace>
 </file>
 
+<file path=ppt/charts/chart2.xml><?xml version="1.0" encoding="utf-8"?>
+<c:chartSpace xmlns:c="http://schemas.openxmlformats.org/drawingml/2006/chart" xmlns:a="http://schemas.openxmlformats.org/drawingml/2006/main" xmlns:r="http://schemas.openxmlformats.org/officeDocument/2006/relationships" xmlns:c16r2="http://schemas.microsoft.com/office/drawing/2015/06/chart">
+  <c:date1904 val="0"/>
+  <c:lang val="en-US"/>
+  <c:roundedCorners val="0"/>
+  <mc:AlternateContent xmlns:mc="http://schemas.openxmlformats.org/markup-compatibility/2006">
+    <mc:Choice xmlns:c14="http://schemas.microsoft.com/office/drawing/2007/8/2/chart" Requires="c14">
+      <c14:style val="103"/>
+    </mc:Choice>
+    <mc:Fallback>
+      <c:style val="3"/>
+    </mc:Fallback>
+  </mc:AlternateContent>
+  <c:chart>
+    <c:autoTitleDeleted val="0"/>
+    <c:plotArea>
+      <c:layout/>
+      <c:barChart>
+        <c:barDir val="col"/>
+        <c:grouping val="clustered"/>
+        <c:varyColors val="0"/>
+        <c:dLbls>
+          <c:dLblPos val="inEnd"/>
+          <c:showLegendKey val="0"/>
+          <c:showVal val="1"/>
+          <c:showCatName val="0"/>
+          <c:showSerName val="0"/>
+          <c:showPercent val="0"/>
+          <c:showBubbleSize val="0"/>
+        </c:dLbls>
+        <c:gapWidth val="41"/>
+        <c:axId val="1545948655"/>
+        <c:axId val="1618700719"/>
+      </c:barChart>
+      <c:catAx>
+        <c:axId val="1545948655"/>
+        <c:scaling>
+          <c:orientation val="minMax"/>
+        </c:scaling>
+        <c:delete val="0"/>
+        <c:axPos val="b"/>
+        <c:numFmt formatCode="General" sourceLinked="1"/>
+        <c:majorTickMark val="none"/>
+        <c:minorTickMark val="none"/>
+        <c:tickLblPos val="nextTo"/>
+        <c:spPr>
+          <a:noFill/>
+          <a:ln>
+            <a:noFill/>
+          </a:ln>
+          <a:effectLst/>
+        </c:spPr>
+        <c:txPr>
+          <a:bodyPr rot="-60000000" spcFirstLastPara="1" vertOverflow="ellipsis" vert="horz" wrap="square" anchor="ctr" anchorCtr="1"/>
+          <a:lstStyle/>
+          <a:p>
+            <a:pPr>
+              <a:defRPr sz="900" b="0" i="0" u="none" strike="noStrike" kern="1200" baseline="0">
+                <a:solidFill>
+                  <a:schemeClr val="dk1">
+                    <a:lumMod val="65000"/>
+                    <a:lumOff val="35000"/>
+                  </a:schemeClr>
+                </a:solidFill>
+                <a:effectLst/>
+                <a:latin typeface="+mn-lt"/>
+                <a:ea typeface="+mn-ea"/>
+                <a:cs typeface="+mn-cs"/>
+              </a:defRPr>
+            </a:pPr>
+            <a:endParaRPr lang="en-US"/>
+          </a:p>
+        </c:txPr>
+        <c:crossAx val="1618700719"/>
+        <c:crosses val="autoZero"/>
+        <c:auto val="1"/>
+        <c:lblAlgn val="ctr"/>
+        <c:lblOffset val="100"/>
+        <c:noMultiLvlLbl val="0"/>
+      </c:catAx>
+      <c:valAx>
+        <c:axId val="1618700719"/>
+        <c:scaling>
+          <c:orientation val="minMax"/>
+        </c:scaling>
+        <c:delete val="1"/>
+        <c:axPos val="l"/>
+        <c:numFmt formatCode="0.0000" sourceLinked="1"/>
+        <c:majorTickMark val="none"/>
+        <c:minorTickMark val="none"/>
+        <c:tickLblPos val="nextTo"/>
+        <c:crossAx val="1545948655"/>
+        <c:crosses val="autoZero"/>
+        <c:crossBetween val="between"/>
+      </c:valAx>
+      <c:spPr>
+        <a:noFill/>
+        <a:ln>
+          <a:noFill/>
+        </a:ln>
+        <a:effectLst/>
+      </c:spPr>
+    </c:plotArea>
+    <c:plotVisOnly val="1"/>
+    <c:dispBlanksAs val="gap"/>
+    <c:showDLblsOverMax val="0"/>
+  </c:chart>
+  <c:spPr>
+    <a:solidFill>
+      <a:schemeClr val="bg2"/>
+    </a:solidFill>
+    <a:ln w="9525" cap="flat" cmpd="sng" algn="ctr">
+      <a:solidFill>
+        <a:schemeClr val="dk1">
+          <a:lumMod val="15000"/>
+          <a:lumOff val="85000"/>
+        </a:schemeClr>
+      </a:solidFill>
+      <a:round/>
+    </a:ln>
+    <a:effectLst/>
+  </c:spPr>
+  <c:txPr>
+    <a:bodyPr/>
+    <a:lstStyle/>
+    <a:p>
+      <a:pPr>
+        <a:defRPr/>
+      </a:pPr>
+      <a:endParaRPr lang="en-US"/>
+    </a:p>
+  </c:txPr>
+  <c:externalData r:id="rId3">
+    <c:autoUpdate val="0"/>
+  </c:externalData>
+</c:chartSpace>
+</file>
+
 <file path=ppt/charts/colors1.xml><?xml version="1.0" encoding="utf-8"?>
 <cs:colorStyle xmlns:cs="http://schemas.microsoft.com/office/drawing/2012/chartStyle" xmlns:a="http://schemas.openxmlformats.org/drawingml/2006/main" meth="withinLinear" id="3">
   <a:schemeClr val="accent1"/>
@@ -487,7 +626,585 @@
 </cs:colorStyle>
 </file>
 
+<file path=ppt/charts/colors2.xml><?xml version="1.0" encoding="utf-8"?>
+<cs:colorStyle xmlns:cs="http://schemas.microsoft.com/office/drawing/2012/chartStyle" xmlns:a="http://schemas.openxmlformats.org/drawingml/2006/main" meth="withinLinear" id="3">
+  <a:schemeClr val="accent1"/>
+  <a:schemeClr val="accent1"/>
+  <a:schemeClr val="accent1"/>
+  <a:schemeClr val="accent1"/>
+  <a:schemeClr val="accent1"/>
+  <a:schemeClr val="accent1"/>
+</cs:colorStyle>
+</file>
+
 <file path=ppt/charts/style1.xml><?xml version="1.0" encoding="utf-8"?>
+<cs:chartStyle xmlns:cs="http://schemas.microsoft.com/office/drawing/2012/chartStyle" xmlns:a="http://schemas.openxmlformats.org/drawingml/2006/main" id="204">
+  <cs:axisTitle>
+    <cs:lnRef idx="0"/>
+    <cs:fillRef idx="0"/>
+    <cs:effectRef idx="0"/>
+    <cs:fontRef idx="minor">
+      <a:schemeClr val="dk1">
+        <a:lumMod val="65000"/>
+        <a:lumOff val="35000"/>
+      </a:schemeClr>
+    </cs:fontRef>
+    <cs:defRPr sz="900" b="1" kern="1200"/>
+  </cs:axisTitle>
+  <cs:categoryAxis>
+    <cs:lnRef idx="0"/>
+    <cs:fillRef idx="0"/>
+    <cs:effectRef idx="0"/>
+    <cs:fontRef idx="minor">
+      <a:schemeClr val="dk1">
+        <a:lumMod val="65000"/>
+        <a:lumOff val="35000"/>
+      </a:schemeClr>
+    </cs:fontRef>
+    <cs:defRPr sz="900" kern="1200">
+      <a:effectLst/>
+    </cs:defRPr>
+  </cs:categoryAxis>
+  <cs:chartArea>
+    <cs:lnRef idx="0"/>
+    <cs:fillRef idx="0"/>
+    <cs:effectRef idx="0"/>
+    <cs:fontRef idx="minor">
+      <a:schemeClr val="dk1"/>
+    </cs:fontRef>
+    <cs:spPr>
+      <a:gradFill flip="none" rotWithShape="1">
+        <a:gsLst>
+          <a:gs pos="0">
+            <a:schemeClr val="lt1"/>
+          </a:gs>
+          <a:gs pos="68000">
+            <a:schemeClr val="lt1">
+              <a:lumMod val="85000"/>
+            </a:schemeClr>
+          </a:gs>
+          <a:gs pos="100000">
+            <a:schemeClr val="lt1"/>
+          </a:gs>
+        </a:gsLst>
+        <a:lin ang="5400000" scaled="1"/>
+        <a:tileRect/>
+      </a:gradFill>
+      <a:ln w="9525" cap="flat" cmpd="sng" algn="ctr">
+        <a:solidFill>
+          <a:schemeClr val="dk1">
+            <a:lumMod val="15000"/>
+            <a:lumOff val="85000"/>
+          </a:schemeClr>
+        </a:solidFill>
+        <a:round/>
+      </a:ln>
+    </cs:spPr>
+    <cs:defRPr sz="1000" kern="1200"/>
+  </cs:chartArea>
+  <cs:dataLabel>
+    <cs:lnRef idx="0"/>
+    <cs:fillRef idx="0"/>
+    <cs:effectRef idx="0"/>
+    <cs:fontRef idx="minor">
+      <a:schemeClr val="lt1"/>
+    </cs:fontRef>
+    <cs:spPr/>
+    <cs:defRPr sz="1000" b="1" i="0" u="none" strike="noStrike" kern="1200" baseline="0"/>
+  </cs:dataLabel>
+  <cs:dataLabelCallout>
+    <cs:lnRef idx="0"/>
+    <cs:fillRef idx="0"/>
+    <cs:effectRef idx="0"/>
+    <cs:fontRef idx="minor">
+      <a:schemeClr val="lt1"/>
+    </cs:fontRef>
+    <cs:spPr>
+      <a:solidFill>
+        <a:schemeClr val="dk1">
+          <a:lumMod val="65000"/>
+          <a:lumOff val="35000"/>
+          <a:alpha val="75000"/>
+        </a:schemeClr>
+      </a:solidFill>
+    </cs:spPr>
+    <cs:defRPr sz="1000" b="1" kern="1200"/>
+    <cs:bodyPr rot="0" spcFirstLastPara="1" vertOverflow="clip" horzOverflow="clip" vert="horz" wrap="square" lIns="36576" tIns="18288" rIns="36576" bIns="18288" anchor="ctr" anchorCtr="1">
+      <a:spAutoFit/>
+    </cs:bodyPr>
+  </cs:dataLabelCallout>
+  <cs:dataPoint>
+    <cs:lnRef idx="0">
+      <cs:styleClr val="auto"/>
+    </cs:lnRef>
+    <cs:fillRef idx="0">
+      <cs:styleClr val="auto"/>
+    </cs:fillRef>
+    <cs:effectRef idx="0"/>
+    <cs:fontRef idx="minor">
+      <a:schemeClr val="dk1"/>
+    </cs:fontRef>
+    <cs:spPr>
+      <a:gradFill>
+        <a:gsLst>
+          <a:gs pos="0">
+            <a:schemeClr val="phClr"/>
+          </a:gs>
+          <a:gs pos="100000">
+            <a:schemeClr val="phClr">
+              <a:lumMod val="84000"/>
+            </a:schemeClr>
+          </a:gs>
+        </a:gsLst>
+        <a:lin ang="5400000" scaled="1"/>
+      </a:gradFill>
+      <a:effectLst>
+        <a:outerShdw blurRad="76200" dir="18900000" sy="23000" kx="-1200000" algn="bl" rotWithShape="0">
+          <a:prstClr val="black">
+            <a:alpha val="20000"/>
+          </a:prstClr>
+        </a:outerShdw>
+      </a:effectLst>
+    </cs:spPr>
+  </cs:dataPoint>
+  <cs:dataPoint3D>
+    <cs:lnRef idx="0"/>
+    <cs:fillRef idx="0">
+      <cs:styleClr val="auto"/>
+    </cs:fillRef>
+    <cs:effectRef idx="0"/>
+    <cs:fontRef idx="minor">
+      <a:schemeClr val="dk1"/>
+    </cs:fontRef>
+    <cs:spPr>
+      <a:gradFill>
+        <a:gsLst>
+          <a:gs pos="0">
+            <a:schemeClr val="phClr"/>
+          </a:gs>
+          <a:gs pos="100000">
+            <a:schemeClr val="phClr">
+              <a:lumMod val="84000"/>
+            </a:schemeClr>
+          </a:gs>
+        </a:gsLst>
+        <a:lin ang="5400000" scaled="1"/>
+      </a:gradFill>
+      <a:effectLst>
+        <a:outerShdw blurRad="76200" dir="18900000" sy="23000" kx="-1200000" algn="bl" rotWithShape="0">
+          <a:prstClr val="black">
+            <a:alpha val="20000"/>
+          </a:prstClr>
+        </a:outerShdw>
+      </a:effectLst>
+    </cs:spPr>
+  </cs:dataPoint3D>
+  <cs:dataPointLine>
+    <cs:lnRef idx="0">
+      <cs:styleClr val="auto"/>
+    </cs:lnRef>
+    <cs:fillRef idx="0"/>
+    <cs:effectRef idx="0"/>
+    <cs:fontRef idx="minor">
+      <a:schemeClr val="dk1"/>
+    </cs:fontRef>
+    <cs:spPr>
+      <a:ln w="28575" cap="rnd">
+        <a:gradFill>
+          <a:gsLst>
+            <a:gs pos="0">
+              <a:schemeClr val="phClr"/>
+            </a:gs>
+            <a:gs pos="100000">
+              <a:schemeClr val="phClr">
+                <a:lumMod val="84000"/>
+              </a:schemeClr>
+            </a:gs>
+          </a:gsLst>
+          <a:lin ang="5400000" scaled="1"/>
+        </a:gradFill>
+        <a:round/>
+      </a:ln>
+    </cs:spPr>
+  </cs:dataPointLine>
+  <cs:dataPointMarker>
+    <cs:lnRef idx="0"/>
+    <cs:fillRef idx="0">
+      <cs:styleClr val="auto"/>
+    </cs:fillRef>
+    <cs:effectRef idx="0"/>
+    <cs:fontRef idx="minor">
+      <a:schemeClr val="dk1"/>
+    </cs:fontRef>
+    <cs:spPr>
+      <a:gradFill>
+        <a:gsLst>
+          <a:gs pos="0">
+            <a:schemeClr val="phClr"/>
+          </a:gs>
+          <a:gs pos="100000">
+            <a:schemeClr val="phClr">
+              <a:lumMod val="84000"/>
+            </a:schemeClr>
+          </a:gs>
+        </a:gsLst>
+        <a:lin ang="5400000" scaled="1"/>
+      </a:gradFill>
+      <a:effectLst>
+        <a:outerShdw blurRad="76200" dir="18900000" sy="23000" kx="-1200000" algn="bl" rotWithShape="0">
+          <a:prstClr val="black">
+            <a:alpha val="20000"/>
+          </a:prstClr>
+        </a:outerShdw>
+      </a:effectLst>
+    </cs:spPr>
+  </cs:dataPointMarker>
+  <cs:dataPointMarkerLayout symbol="circle" size="6"/>
+  <cs:dataPointWireframe>
+    <cs:lnRef idx="0">
+      <cs:styleClr val="auto"/>
+    </cs:lnRef>
+    <cs:fillRef idx="0"/>
+    <cs:effectRef idx="0"/>
+    <cs:fontRef idx="minor">
+      <a:schemeClr val="dk1"/>
+    </cs:fontRef>
+    <cs:spPr>
+      <a:ln w="9525" cap="rnd">
+        <a:solidFill>
+          <a:schemeClr val="phClr"/>
+        </a:solidFill>
+        <a:round/>
+      </a:ln>
+    </cs:spPr>
+  </cs:dataPointWireframe>
+  <cs:dataTable>
+    <cs:lnRef idx="0"/>
+    <cs:fillRef idx="0"/>
+    <cs:effectRef idx="0"/>
+    <cs:fontRef idx="minor">
+      <a:schemeClr val="dk1">
+        <a:lumMod val="65000"/>
+        <a:lumOff val="35000"/>
+      </a:schemeClr>
+    </cs:fontRef>
+    <cs:spPr>
+      <a:ln w="9525">
+        <a:solidFill>
+          <a:schemeClr val="dk1">
+            <a:lumMod val="15000"/>
+            <a:lumOff val="85000"/>
+          </a:schemeClr>
+        </a:solidFill>
+      </a:ln>
+    </cs:spPr>
+    <cs:defRPr sz="900" kern="1200"/>
+  </cs:dataTable>
+  <cs:downBar>
+    <cs:lnRef idx="0"/>
+    <cs:fillRef idx="0"/>
+    <cs:effectRef idx="0"/>
+    <cs:fontRef idx="minor">
+      <a:schemeClr val="dk1"/>
+    </cs:fontRef>
+    <cs:spPr>
+      <a:solidFill>
+        <a:schemeClr val="dk1">
+          <a:lumMod val="35000"/>
+          <a:lumOff val="65000"/>
+        </a:schemeClr>
+      </a:solidFill>
+      <a:ln w="9525">
+        <a:solidFill>
+          <a:schemeClr val="dk1">
+            <a:lumMod val="50000"/>
+            <a:lumOff val="50000"/>
+          </a:schemeClr>
+        </a:solidFill>
+      </a:ln>
+    </cs:spPr>
+  </cs:downBar>
+  <cs:dropLine>
+    <cs:lnRef idx="0"/>
+    <cs:fillRef idx="0"/>
+    <cs:effectRef idx="0"/>
+    <cs:fontRef idx="minor">
+      <a:schemeClr val="dk1"/>
+    </cs:fontRef>
+    <cs:spPr>
+      <a:ln w="9525">
+        <a:solidFill>
+          <a:schemeClr val="dk1">
+            <a:lumMod val="50000"/>
+            <a:lumOff val="50000"/>
+          </a:schemeClr>
+        </a:solidFill>
+        <a:round/>
+      </a:ln>
+    </cs:spPr>
+  </cs:dropLine>
+  <cs:errorBar>
+    <cs:lnRef idx="0"/>
+    <cs:fillRef idx="0"/>
+    <cs:effectRef idx="0"/>
+    <cs:fontRef idx="minor">
+      <a:schemeClr val="dk1"/>
+    </cs:fontRef>
+    <cs:spPr>
+      <a:ln w="9525">
+        <a:solidFill>
+          <a:schemeClr val="dk1">
+            <a:lumMod val="50000"/>
+            <a:lumOff val="50000"/>
+          </a:schemeClr>
+        </a:solidFill>
+        <a:round/>
+      </a:ln>
+    </cs:spPr>
+  </cs:errorBar>
+  <cs:floor>
+    <cs:lnRef idx="0"/>
+    <cs:fillRef idx="0"/>
+    <cs:effectRef idx="0"/>
+    <cs:fontRef idx="minor">
+      <a:schemeClr val="dk1"/>
+    </cs:fontRef>
+  </cs:floor>
+  <cs:gridlineMajor>
+    <cs:lnRef idx="0"/>
+    <cs:fillRef idx="0"/>
+    <cs:effectRef idx="0"/>
+    <cs:fontRef idx="minor">
+      <a:schemeClr val="dk1"/>
+    </cs:fontRef>
+    <cs:spPr>
+      <a:ln w="9525" cap="flat" cmpd="sng" algn="ctr">
+        <a:solidFill>
+          <a:schemeClr val="dk1">
+            <a:lumMod val="15000"/>
+            <a:lumOff val="85000"/>
+          </a:schemeClr>
+        </a:solidFill>
+        <a:round/>
+      </a:ln>
+    </cs:spPr>
+  </cs:gridlineMajor>
+  <cs:gridlineMinor>
+    <cs:lnRef idx="0"/>
+    <cs:fillRef idx="0"/>
+    <cs:effectRef idx="0"/>
+    <cs:fontRef idx="minor">
+      <a:schemeClr val="dk1"/>
+    </cs:fontRef>
+    <cs:spPr>
+      <a:ln>
+        <a:solidFill>
+          <a:schemeClr val="dk1">
+            <a:lumMod val="5000"/>
+            <a:lumOff val="95000"/>
+          </a:schemeClr>
+        </a:solidFill>
+      </a:ln>
+    </cs:spPr>
+  </cs:gridlineMinor>
+  <cs:hiLoLine>
+    <cs:lnRef idx="0"/>
+    <cs:fillRef idx="0"/>
+    <cs:effectRef idx="0"/>
+    <cs:fontRef idx="minor">
+      <a:schemeClr val="dk1"/>
+    </cs:fontRef>
+    <cs:spPr>
+      <a:ln w="9525">
+        <a:solidFill>
+          <a:schemeClr val="dk1">
+            <a:lumMod val="50000"/>
+            <a:lumOff val="50000"/>
+          </a:schemeClr>
+        </a:solidFill>
+        <a:round/>
+      </a:ln>
+    </cs:spPr>
+  </cs:hiLoLine>
+  <cs:leaderLine>
+    <cs:lnRef idx="0"/>
+    <cs:fillRef idx="0"/>
+    <cs:effectRef idx="0"/>
+    <cs:fontRef idx="minor">
+      <a:schemeClr val="dk1"/>
+    </cs:fontRef>
+    <cs:spPr>
+      <a:ln w="9525">
+        <a:solidFill>
+          <a:schemeClr val="dk1">
+            <a:lumMod val="50000"/>
+            <a:lumOff val="50000"/>
+          </a:schemeClr>
+        </a:solidFill>
+      </a:ln>
+    </cs:spPr>
+  </cs:leaderLine>
+  <cs:legend>
+    <cs:lnRef idx="0"/>
+    <cs:fillRef idx="0"/>
+    <cs:effectRef idx="0"/>
+    <cs:fontRef idx="minor">
+      <a:schemeClr val="dk1">
+        <a:lumMod val="65000"/>
+        <a:lumOff val="35000"/>
+      </a:schemeClr>
+    </cs:fontRef>
+    <cs:defRPr sz="900" kern="1200"/>
+  </cs:legend>
+  <cs:plotArea>
+    <cs:lnRef idx="0"/>
+    <cs:fillRef idx="0"/>
+    <cs:effectRef idx="0"/>
+    <cs:fontRef idx="minor">
+      <a:schemeClr val="dk1"/>
+    </cs:fontRef>
+  </cs:plotArea>
+  <cs:plotArea3D>
+    <cs:lnRef idx="0"/>
+    <cs:fillRef idx="0"/>
+    <cs:effectRef idx="0"/>
+    <cs:fontRef idx="minor">
+      <a:schemeClr val="dk1"/>
+    </cs:fontRef>
+  </cs:plotArea3D>
+  <cs:seriesAxis>
+    <cs:lnRef idx="0"/>
+    <cs:fillRef idx="0"/>
+    <cs:effectRef idx="0"/>
+    <cs:fontRef idx="minor">
+      <a:schemeClr val="dk1">
+        <a:lumMod val="65000"/>
+        <a:lumOff val="35000"/>
+      </a:schemeClr>
+    </cs:fontRef>
+    <cs:spPr>
+      <a:ln w="9525" cap="flat" cmpd="sng" algn="ctr">
+        <a:solidFill>
+          <a:schemeClr val="dk1">
+            <a:lumMod val="15000"/>
+            <a:lumOff val="85000"/>
+          </a:schemeClr>
+        </a:solidFill>
+        <a:round/>
+      </a:ln>
+    </cs:spPr>
+    <cs:defRPr sz="900" kern="1200"/>
+  </cs:seriesAxis>
+  <cs:seriesLine>
+    <cs:lnRef idx="0"/>
+    <cs:fillRef idx="0"/>
+    <cs:effectRef idx="0"/>
+    <cs:fontRef idx="minor">
+      <a:schemeClr val="dk1"/>
+    </cs:fontRef>
+    <cs:spPr>
+      <a:ln w="9525">
+        <a:solidFill>
+          <a:schemeClr val="dk1">
+            <a:lumMod val="50000"/>
+            <a:lumOff val="50000"/>
+          </a:schemeClr>
+        </a:solidFill>
+        <a:round/>
+      </a:ln>
+    </cs:spPr>
+  </cs:seriesLine>
+  <cs:title>
+    <cs:lnRef idx="0"/>
+    <cs:fillRef idx="0"/>
+    <cs:effectRef idx="0"/>
+    <cs:fontRef idx="minor">
+      <a:schemeClr val="dk1">
+        <a:lumMod val="65000"/>
+        <a:lumOff val="35000"/>
+      </a:schemeClr>
+    </cs:fontRef>
+    <cs:defRPr kern="1200">
+      <a:effectLst/>
+    </cs:defRPr>
+  </cs:title>
+  <cs:trendline>
+    <cs:lnRef idx="0">
+      <cs:styleClr val="auto"/>
+    </cs:lnRef>
+    <cs:fillRef idx="0"/>
+    <cs:effectRef idx="0"/>
+    <cs:fontRef idx="minor">
+      <a:schemeClr val="dk1"/>
+    </cs:fontRef>
+    <cs:spPr>
+      <a:ln w="19050" cap="rnd">
+        <a:solidFill>
+          <a:schemeClr val="phClr"/>
+        </a:solidFill>
+        <a:prstDash val="sysDash"/>
+      </a:ln>
+    </cs:spPr>
+  </cs:trendline>
+  <cs:trendlineLabel>
+    <cs:lnRef idx="0"/>
+    <cs:fillRef idx="0"/>
+    <cs:effectRef idx="0"/>
+    <cs:fontRef idx="minor">
+      <a:schemeClr val="dk1">
+        <a:lumMod val="65000"/>
+        <a:lumOff val="35000"/>
+      </a:schemeClr>
+    </cs:fontRef>
+    <cs:defRPr sz="900" kern="1200"/>
+  </cs:trendlineLabel>
+  <cs:upBar>
+    <cs:lnRef idx="0"/>
+    <cs:fillRef idx="0"/>
+    <cs:effectRef idx="0"/>
+    <cs:fontRef idx="minor">
+      <a:schemeClr val="dk1"/>
+    </cs:fontRef>
+    <cs:spPr>
+      <a:solidFill>
+        <a:schemeClr val="lt1">
+          <a:lumMod val="95000"/>
+        </a:schemeClr>
+      </a:solidFill>
+      <a:ln w="9525">
+        <a:solidFill>
+          <a:schemeClr val="dk1">
+            <a:lumMod val="15000"/>
+            <a:lumOff val="85000"/>
+          </a:schemeClr>
+        </a:solidFill>
+      </a:ln>
+    </cs:spPr>
+  </cs:upBar>
+  <cs:valueAxis>
+    <cs:lnRef idx="0"/>
+    <cs:fillRef idx="0"/>
+    <cs:effectRef idx="0"/>
+    <cs:fontRef idx="minor">
+      <a:schemeClr val="dk1">
+        <a:lumMod val="65000"/>
+        <a:lumOff val="35000"/>
+      </a:schemeClr>
+    </cs:fontRef>
+    <cs:defRPr sz="900" kern="1200"/>
+  </cs:valueAxis>
+  <cs:wall>
+    <cs:lnRef idx="0"/>
+    <cs:fillRef idx="0"/>
+    <cs:effectRef idx="0"/>
+    <cs:fontRef idx="minor">
+      <a:schemeClr val="dk1"/>
+    </cs:fontRef>
+  </cs:wall>
+</cs:chartStyle>
+</file>
+
+<file path=ppt/charts/style2.xml><?xml version="1.0" encoding="utf-8"?>
 <cs:chartStyle xmlns:cs="http://schemas.microsoft.com/office/drawing/2012/chartStyle" xmlns:a="http://schemas.openxmlformats.org/drawingml/2006/main" id="204">
   <cs:axisTitle>
     <cs:lnRef idx="0"/>
@@ -1136,7 +1853,7 @@
           <a:p>
             <a:fld id="{8965C24A-5761-1B40-A05F-94C54865E98E}" type="datetimeFigureOut">
               <a:rPr lang="en-US" smtClean="0"/>
-              <a:t>10/26/19</a:t>
+              <a:t>10/29/2019</a:t>
             </a:fld>
             <a:endParaRPr lang="en-US"/>
           </a:p>
@@ -1550,7 +2267,7 @@
           <a:p>
             <a:fld id="{2E7E546F-C483-7240-8BA7-56E98D10C275}" type="datetimeFigureOut">
               <a:rPr lang="en-US" smtClean="0"/>
-              <a:t>10/26/19</a:t>
+              <a:t>10/29/2019</a:t>
             </a:fld>
             <a:endParaRPr lang="en-US"/>
           </a:p>
@@ -1748,7 +2465,7 @@
           <a:p>
             <a:fld id="{2E7E546F-C483-7240-8BA7-56E98D10C275}" type="datetimeFigureOut">
               <a:rPr lang="en-US" smtClean="0"/>
-              <a:t>10/26/19</a:t>
+              <a:t>10/29/2019</a:t>
             </a:fld>
             <a:endParaRPr lang="en-US"/>
           </a:p>
@@ -1956,7 +2673,7 @@
           <a:p>
             <a:fld id="{2E7E546F-C483-7240-8BA7-56E98D10C275}" type="datetimeFigureOut">
               <a:rPr lang="en-US" smtClean="0"/>
-              <a:t>10/26/19</a:t>
+              <a:t>10/29/2019</a:t>
             </a:fld>
             <a:endParaRPr lang="en-US"/>
           </a:p>
@@ -2833,7 +3550,7 @@
           <a:p>
             <a:fld id="{2E7E546F-C483-7240-8BA7-56E98D10C275}" type="datetimeFigureOut">
               <a:rPr lang="en-US" smtClean="0"/>
-              <a:t>10/26/19</a:t>
+              <a:t>10/29/2019</a:t>
             </a:fld>
             <a:endParaRPr lang="en-US"/>
           </a:p>
@@ -3108,7 +3825,7 @@
           <a:p>
             <a:fld id="{2E7E546F-C483-7240-8BA7-56E98D10C275}" type="datetimeFigureOut">
               <a:rPr lang="en-US" smtClean="0"/>
-              <a:t>10/26/19</a:t>
+              <a:t>10/29/2019</a:t>
             </a:fld>
             <a:endParaRPr lang="en-US"/>
           </a:p>
@@ -3373,7 +4090,7 @@
           <a:p>
             <a:fld id="{2E7E546F-C483-7240-8BA7-56E98D10C275}" type="datetimeFigureOut">
               <a:rPr lang="en-US" smtClean="0"/>
-              <a:t>10/26/19</a:t>
+              <a:t>10/29/2019</a:t>
             </a:fld>
             <a:endParaRPr lang="en-US"/>
           </a:p>
@@ -3785,7 +4502,7 @@
           <a:p>
             <a:fld id="{2E7E546F-C483-7240-8BA7-56E98D10C275}" type="datetimeFigureOut">
               <a:rPr lang="en-US" smtClean="0"/>
-              <a:t>10/26/19</a:t>
+              <a:t>10/29/2019</a:t>
             </a:fld>
             <a:endParaRPr lang="en-US"/>
           </a:p>
@@ -3926,7 +4643,7 @@
           <a:p>
             <a:fld id="{2E7E546F-C483-7240-8BA7-56E98D10C275}" type="datetimeFigureOut">
               <a:rPr lang="en-US" smtClean="0"/>
-              <a:t>10/26/19</a:t>
+              <a:t>10/29/2019</a:t>
             </a:fld>
             <a:endParaRPr lang="en-US"/>
           </a:p>
@@ -4039,7 +4756,7 @@
           <a:p>
             <a:fld id="{2E7E546F-C483-7240-8BA7-56E98D10C275}" type="datetimeFigureOut">
               <a:rPr lang="en-US" smtClean="0"/>
-              <a:t>10/26/19</a:t>
+              <a:t>10/29/2019</a:t>
             </a:fld>
             <a:endParaRPr lang="en-US"/>
           </a:p>
@@ -4350,7 +5067,7 @@
           <a:p>
             <a:fld id="{2E7E546F-C483-7240-8BA7-56E98D10C275}" type="datetimeFigureOut">
               <a:rPr lang="en-US" smtClean="0"/>
-              <a:t>10/26/19</a:t>
+              <a:t>10/29/2019</a:t>
             </a:fld>
             <a:endParaRPr lang="en-US"/>
           </a:p>
@@ -4638,7 +5355,7 @@
           <a:p>
             <a:fld id="{2E7E546F-C483-7240-8BA7-56E98D10C275}" type="datetimeFigureOut">
               <a:rPr lang="en-US" smtClean="0"/>
-              <a:t>10/26/19</a:t>
+              <a:t>10/29/2019</a:t>
             </a:fld>
             <a:endParaRPr lang="en-US"/>
           </a:p>
@@ -4879,7 +5596,7 @@
           <a:p>
             <a:fld id="{2E7E546F-C483-7240-8BA7-56E98D10C275}" type="datetimeFigureOut">
               <a:rPr lang="en-US" smtClean="0"/>
-              <a:t>10/26/19</a:t>
+              <a:t>10/29/2019</a:t>
             </a:fld>
             <a:endParaRPr lang="en-US"/>
           </a:p>
@@ -5584,7 +6301,7 @@
       </p:grpSpPr>
       <p:sp>
         <p:nvSpPr>
-          <p:cNvPr id="21" name="Rectangle 20">
+          <p:cNvPr id="21" name="Rectangle 16">
             <a:extLst>
               <a:ext uri="{FF2B5EF4-FFF2-40B4-BE49-F238E27FC236}">
                 <a16:creationId xmlns:a16="http://schemas.microsoft.com/office/drawing/2014/main" id="{6753252F-4873-4F63-801D-CC719279A7D5}"/>
@@ -5647,7 +6364,7 @@
       </p:sp>
       <p:sp>
         <p:nvSpPr>
-          <p:cNvPr id="23" name="Rectangle 22">
+          <p:cNvPr id="22" name="Rectangle 18">
             <a:extLst>
               <a:ext uri="{FF2B5EF4-FFF2-40B4-BE49-F238E27FC236}">
                 <a16:creationId xmlns:a16="http://schemas.microsoft.com/office/drawing/2014/main" id="{047C8CCB-F95D-4249-92DD-651249D3535A}"/>
@@ -5713,6 +6430,277 @@
           <p:cNvPr id="2" name="Title 1">
             <a:extLst>
               <a:ext uri="{FF2B5EF4-FFF2-40B4-BE49-F238E27FC236}">
+                <a16:creationId xmlns:a16="http://schemas.microsoft.com/office/drawing/2014/main" id="{343D302D-CFE1-FD45-B04D-25C8ECAA02DA}"/>
+              </a:ext>
+            </a:extLst>
+          </p:cNvPr>
+          <p:cNvSpPr>
+            <a:spLocks noGrp="1"/>
+          </p:cNvSpPr>
+          <p:nvPr>
+            <p:ph type="title"/>
+          </p:nvPr>
+        </p:nvSpPr>
+        <p:spPr>
+          <a:xfrm>
+            <a:off x="640080" y="2074363"/>
+            <a:ext cx="2752354" cy="2709275"/>
+          </a:xfrm>
+          <a:prstGeom prst="ellipse">
+            <a:avLst/>
+          </a:prstGeom>
+          <a:solidFill>
+            <a:srgbClr val="262626"/>
+          </a:solidFill>
+          <a:ln w="174625" cmpd="thinThick">
+            <a:solidFill>
+              <a:srgbClr val="262626"/>
+            </a:solidFill>
+          </a:ln>
+        </p:spPr>
+        <p:txBody>
+          <a:bodyPr vert="horz" lIns="91440" tIns="45720" rIns="91440" bIns="45720" rtlCol="0" anchor="ctr">
+            <a:normAutofit/>
+          </a:bodyPr>
+          <a:lstStyle/>
+          <a:p>
+            <a:pPr algn="ctr"/>
+            <a:r>
+              <a:rPr lang="en-US" sz="2600" kern="1200">
+                <a:solidFill>
+                  <a:srgbClr val="FFFFFF"/>
+                </a:solidFill>
+                <a:latin typeface="+mj-lt"/>
+                <a:ea typeface="+mj-ea"/>
+                <a:cs typeface="+mj-cs"/>
+              </a:rPr>
+              <a:t>Best Fit Model – </a:t>
+            </a:r>
+            <a:br>
+              <a:rPr lang="en-US" sz="2600" kern="1200">
+                <a:solidFill>
+                  <a:srgbClr val="FFFFFF"/>
+                </a:solidFill>
+                <a:latin typeface="+mj-lt"/>
+                <a:ea typeface="+mj-ea"/>
+                <a:cs typeface="+mj-cs"/>
+              </a:rPr>
+            </a:br>
+            <a:r>
+              <a:rPr lang="en-US" sz="2600" kern="1200">
+                <a:solidFill>
+                  <a:srgbClr val="FFFFFF"/>
+                </a:solidFill>
+                <a:latin typeface="+mj-lt"/>
+                <a:ea typeface="+mj-ea"/>
+                <a:cs typeface="+mj-cs"/>
+              </a:rPr>
+              <a:t>SVM on CTA Tweets </a:t>
+            </a:r>
+          </a:p>
+        </p:txBody>
+      </p:sp>
+      <p:pic>
+        <p:nvPicPr>
+          <p:cNvPr id="5" name="Content Placeholder 4" descr="A screenshot of a cell phone&#10;&#10;Description automatically generated">
+            <a:extLst>
+              <a:ext uri="{FF2B5EF4-FFF2-40B4-BE49-F238E27FC236}">
+                <a16:creationId xmlns:a16="http://schemas.microsoft.com/office/drawing/2014/main" id="{ACCED6EF-70EC-8840-977F-B498EE6A23F1}"/>
+              </a:ext>
+            </a:extLst>
+          </p:cNvPr>
+          <p:cNvPicPr>
+            <a:picLocks noGrp="1" noChangeAspect="1"/>
+          </p:cNvPicPr>
+          <p:nvPr>
+            <p:ph idx="1"/>
+          </p:nvPr>
+        </p:nvPicPr>
+        <p:blipFill>
+          <a:blip r:embed="rId2"/>
+          <a:stretch>
+            <a:fillRect/>
+          </a:stretch>
+        </p:blipFill>
+        <p:spPr>
+          <a:xfrm>
+            <a:off x="4038600" y="1031239"/>
+            <a:ext cx="7188199" cy="4792132"/>
+          </a:xfrm>
+          <a:prstGeom prst="rect">
+            <a:avLst/>
+          </a:prstGeom>
+        </p:spPr>
+      </p:pic>
+    </p:spTree>
+    <p:extLst>
+      <p:ext uri="{BB962C8B-B14F-4D97-AF65-F5344CB8AC3E}">
+        <p14:creationId xmlns:p14="http://schemas.microsoft.com/office/powerpoint/2010/main" val="2582759434"/>
+      </p:ext>
+    </p:extLst>
+  </p:cSld>
+  <p:clrMapOvr>
+    <a:masterClrMapping/>
+  </p:clrMapOvr>
+</p:sld>
+</file>
+
+<file path=ppt/slides/slide11.xml><?xml version="1.0" encoding="utf-8"?>
+<p:sld xmlns:a="http://schemas.openxmlformats.org/drawingml/2006/main" xmlns:r="http://schemas.openxmlformats.org/officeDocument/2006/relationships" xmlns:p="http://schemas.openxmlformats.org/presentationml/2006/main">
+  <p:cSld>
+    <p:bg>
+      <p:bgPr>
+        <a:solidFill>
+          <a:schemeClr val="bg1"/>
+        </a:solidFill>
+        <a:effectLst/>
+      </p:bgPr>
+    </p:bg>
+    <p:spTree>
+      <p:nvGrpSpPr>
+        <p:cNvPr id="1" name=""/>
+        <p:cNvGrpSpPr/>
+        <p:nvPr/>
+      </p:nvGrpSpPr>
+      <p:grpSpPr>
+        <a:xfrm>
+          <a:off x="0" y="0"/>
+          <a:ext cx="0" cy="0"/>
+          <a:chOff x="0" y="0"/>
+          <a:chExt cx="0" cy="0"/>
+        </a:xfrm>
+      </p:grpSpPr>
+      <p:sp>
+        <p:nvSpPr>
+          <p:cNvPr id="21" name="Rectangle 20">
+            <a:extLst>
+              <a:ext uri="{FF2B5EF4-FFF2-40B4-BE49-F238E27FC236}">
+                <a16:creationId xmlns:a16="http://schemas.microsoft.com/office/drawing/2014/main" id="{6753252F-4873-4F63-801D-CC719279A7D5}"/>
+              </a:ext>
+              <a:ext uri="{C183D7F6-B498-43B3-948B-1728B52AA6E4}">
+                <adec:decorative xmlns:adec="http://schemas.microsoft.com/office/drawing/2017/decorative" val="1"/>
+              </a:ext>
+            </a:extLst>
+          </p:cNvPr>
+          <p:cNvSpPr>
+            <a:spLocks noGrp="1" noRot="1" noChangeAspect="1" noMove="1" noResize="1" noEditPoints="1" noAdjustHandles="1" noChangeArrowheads="1" noChangeShapeType="1" noTextEdit="1"/>
+          </p:cNvSpPr>
+          <p:nvPr>
+            <p:extLst>
+              <p:ext uri="{386F3935-93C4-4BCD-93E2-E3B085C9AB24}">
+                <p16:designElem xmlns:p16="http://schemas.microsoft.com/office/powerpoint/2015/main" val="1"/>
+              </p:ext>
+            </p:extLst>
+          </p:nvPr>
+        </p:nvSpPr>
+        <p:spPr>
+          <a:xfrm>
+            <a:off x="0" y="0"/>
+            <a:ext cx="12192000" cy="6858000"/>
+          </a:xfrm>
+          <a:prstGeom prst="rect">
+            <a:avLst/>
+          </a:prstGeom>
+          <a:solidFill>
+            <a:srgbClr val="FFFFFF"/>
+          </a:solidFill>
+          <a:ln>
+            <a:noFill/>
+          </a:ln>
+        </p:spPr>
+        <p:style>
+          <a:lnRef idx="2">
+            <a:schemeClr val="accent1">
+              <a:shade val="50000"/>
+            </a:schemeClr>
+          </a:lnRef>
+          <a:fillRef idx="1">
+            <a:schemeClr val="accent1"/>
+          </a:fillRef>
+          <a:effectRef idx="0">
+            <a:schemeClr val="accent1"/>
+          </a:effectRef>
+          <a:fontRef idx="minor">
+            <a:schemeClr val="lt1"/>
+          </a:fontRef>
+        </p:style>
+        <p:txBody>
+          <a:bodyPr rtlCol="0" anchor="ctr"/>
+          <a:lstStyle/>
+          <a:p>
+            <a:pPr algn="ctr"/>
+            <a:endParaRPr lang="en-US"/>
+          </a:p>
+        </p:txBody>
+      </p:sp>
+      <p:sp>
+        <p:nvSpPr>
+          <p:cNvPr id="23" name="Rectangle 22">
+            <a:extLst>
+              <a:ext uri="{FF2B5EF4-FFF2-40B4-BE49-F238E27FC236}">
+                <a16:creationId xmlns:a16="http://schemas.microsoft.com/office/drawing/2014/main" id="{047C8CCB-F95D-4249-92DD-651249D3535A}"/>
+              </a:ext>
+              <a:ext uri="{C183D7F6-B498-43B3-948B-1728B52AA6E4}">
+                <adec:decorative xmlns:adec="http://schemas.microsoft.com/office/drawing/2017/decorative" val="1"/>
+              </a:ext>
+            </a:extLst>
+          </p:cNvPr>
+          <p:cNvSpPr>
+            <a:spLocks noGrp="1" noRot="1" noChangeAspect="1" noMove="1" noResize="1" noEditPoints="1" noAdjustHandles="1" noChangeArrowheads="1" noChangeShapeType="1" noTextEdit="1"/>
+          </p:cNvSpPr>
+          <p:nvPr>
+            <p:extLst>
+              <p:ext uri="{386F3935-93C4-4BCD-93E2-E3B085C9AB24}">
+                <p16:designElem xmlns:p16="http://schemas.microsoft.com/office/powerpoint/2015/main" val="1"/>
+              </p:ext>
+            </p:extLst>
+          </p:nvPr>
+        </p:nvSpPr>
+        <p:spPr>
+          <a:xfrm>
+            <a:off x="0" y="0"/>
+            <a:ext cx="2013557" cy="6858000"/>
+          </a:xfrm>
+          <a:prstGeom prst="rect">
+            <a:avLst/>
+          </a:prstGeom>
+          <a:solidFill>
+            <a:srgbClr val="7F7F7F"/>
+          </a:solidFill>
+          <a:ln>
+            <a:noFill/>
+          </a:ln>
+        </p:spPr>
+        <p:style>
+          <a:lnRef idx="2">
+            <a:schemeClr val="accent1">
+              <a:shade val="50000"/>
+            </a:schemeClr>
+          </a:lnRef>
+          <a:fillRef idx="1">
+            <a:schemeClr val="accent1"/>
+          </a:fillRef>
+          <a:effectRef idx="0">
+            <a:schemeClr val="accent1"/>
+          </a:effectRef>
+          <a:fontRef idx="minor">
+            <a:schemeClr val="lt1"/>
+          </a:fontRef>
+        </p:style>
+        <p:txBody>
+          <a:bodyPr rtlCol="0" anchor="ctr"/>
+          <a:lstStyle/>
+          <a:p>
+            <a:pPr algn="ctr"/>
+            <a:endParaRPr lang="en-US"/>
+          </a:p>
+        </p:txBody>
+      </p:sp>
+      <p:sp>
+        <p:nvSpPr>
+          <p:cNvPr id="2" name="Title 1">
+            <a:extLst>
+              <a:ext uri="{FF2B5EF4-FFF2-40B4-BE49-F238E27FC236}">
                 <a16:creationId xmlns:a16="http://schemas.microsoft.com/office/drawing/2014/main" id="{4751B3A7-DAF8-C14B-AA54-B2D2C18249D1}"/>
               </a:ext>
             </a:extLst>
@@ -5807,7 +6795,7 @@
 </p:sld>
 </file>
 
-<file path=ppt/slides/slide11.xml><?xml version="1.0" encoding="utf-8"?>
+<file path=ppt/slides/slide12.xml><?xml version="1.0" encoding="utf-8"?>
 <p:sld xmlns:a="http://schemas.openxmlformats.org/drawingml/2006/main" xmlns:r="http://schemas.openxmlformats.org/officeDocument/2006/relationships" xmlns:p="http://schemas.openxmlformats.org/presentationml/2006/main">
   <p:cSld>
     <p:bg>
@@ -6044,7 +7032,7 @@
 </p:sld>
 </file>
 
-<file path=ppt/slides/slide12.xml><?xml version="1.0" encoding="utf-8"?>
+<file path=ppt/slides/slide13.xml><?xml version="1.0" encoding="utf-8"?>
 <p:sld xmlns:a="http://schemas.openxmlformats.org/drawingml/2006/main" xmlns:r="http://schemas.openxmlformats.org/officeDocument/2006/relationships" xmlns:p="http://schemas.openxmlformats.org/presentationml/2006/main">
   <p:cSld>
     <p:bg>
@@ -8777,14 +9765,6 @@
 <file path=ppt/slides/slide9.xml><?xml version="1.0" encoding="utf-8"?>
 <p:sld xmlns:a="http://schemas.openxmlformats.org/drawingml/2006/main" xmlns:r="http://schemas.openxmlformats.org/officeDocument/2006/relationships" xmlns:p="http://schemas.openxmlformats.org/presentationml/2006/main">
   <p:cSld>
-    <p:bg>
-      <p:bgPr>
-        <a:solidFill>
-          <a:schemeClr val="bg1"/>
-        </a:solidFill>
-        <a:effectLst/>
-      </p:bgPr>
-    </p:bg>
     <p:spTree>
       <p:nvGrpSpPr>
         <p:cNvPr id="1" name=""/>
@@ -8801,136 +9781,10 @@
       </p:grpSpPr>
       <p:sp>
         <p:nvSpPr>
-          <p:cNvPr id="21" name="Rectangle 16">
-            <a:extLst>
-              <a:ext uri="{FF2B5EF4-FFF2-40B4-BE49-F238E27FC236}">
-                <a16:creationId xmlns:a16="http://schemas.microsoft.com/office/drawing/2014/main" id="{6753252F-4873-4F63-801D-CC719279A7D5}"/>
-              </a:ext>
-              <a:ext uri="{C183D7F6-B498-43B3-948B-1728B52AA6E4}">
-                <adec:decorative xmlns:adec="http://schemas.microsoft.com/office/drawing/2017/decorative" val="1"/>
-              </a:ext>
-            </a:extLst>
-          </p:cNvPr>
-          <p:cNvSpPr>
-            <a:spLocks noGrp="1" noRot="1" noChangeAspect="1" noMove="1" noResize="1" noEditPoints="1" noAdjustHandles="1" noChangeArrowheads="1" noChangeShapeType="1" noTextEdit="1"/>
-          </p:cNvSpPr>
-          <p:nvPr>
-            <p:extLst>
-              <p:ext uri="{386F3935-93C4-4BCD-93E2-E3B085C9AB24}">
-                <p16:designElem xmlns:p16="http://schemas.microsoft.com/office/powerpoint/2015/main" val="1"/>
-              </p:ext>
-            </p:extLst>
-          </p:nvPr>
-        </p:nvSpPr>
-        <p:spPr>
-          <a:xfrm>
-            <a:off x="0" y="0"/>
-            <a:ext cx="12192000" cy="6858000"/>
-          </a:xfrm>
-          <a:prstGeom prst="rect">
-            <a:avLst/>
-          </a:prstGeom>
-          <a:solidFill>
-            <a:srgbClr val="FFFFFF"/>
-          </a:solidFill>
-          <a:ln>
-            <a:noFill/>
-          </a:ln>
-        </p:spPr>
-        <p:style>
-          <a:lnRef idx="2">
-            <a:schemeClr val="accent1">
-              <a:shade val="50000"/>
-            </a:schemeClr>
-          </a:lnRef>
-          <a:fillRef idx="1">
-            <a:schemeClr val="accent1"/>
-          </a:fillRef>
-          <a:effectRef idx="0">
-            <a:schemeClr val="accent1"/>
-          </a:effectRef>
-          <a:fontRef idx="minor">
-            <a:schemeClr val="lt1"/>
-          </a:fontRef>
-        </p:style>
-        <p:txBody>
-          <a:bodyPr rtlCol="0" anchor="ctr"/>
-          <a:lstStyle/>
-          <a:p>
-            <a:pPr algn="ctr"/>
-            <a:endParaRPr lang="en-US"/>
-          </a:p>
-        </p:txBody>
-      </p:sp>
-      <p:sp>
-        <p:nvSpPr>
-          <p:cNvPr id="22" name="Rectangle 18">
-            <a:extLst>
-              <a:ext uri="{FF2B5EF4-FFF2-40B4-BE49-F238E27FC236}">
-                <a16:creationId xmlns:a16="http://schemas.microsoft.com/office/drawing/2014/main" id="{047C8CCB-F95D-4249-92DD-651249D3535A}"/>
-              </a:ext>
-              <a:ext uri="{C183D7F6-B498-43B3-948B-1728B52AA6E4}">
-                <adec:decorative xmlns:adec="http://schemas.microsoft.com/office/drawing/2017/decorative" val="1"/>
-              </a:ext>
-            </a:extLst>
-          </p:cNvPr>
-          <p:cNvSpPr>
-            <a:spLocks noGrp="1" noRot="1" noChangeAspect="1" noMove="1" noResize="1" noEditPoints="1" noAdjustHandles="1" noChangeArrowheads="1" noChangeShapeType="1" noTextEdit="1"/>
-          </p:cNvSpPr>
-          <p:nvPr>
-            <p:extLst>
-              <p:ext uri="{386F3935-93C4-4BCD-93E2-E3B085C9AB24}">
-                <p16:designElem xmlns:p16="http://schemas.microsoft.com/office/powerpoint/2015/main" val="1"/>
-              </p:ext>
-            </p:extLst>
-          </p:nvPr>
-        </p:nvSpPr>
-        <p:spPr>
-          <a:xfrm>
-            <a:off x="0" y="0"/>
-            <a:ext cx="2013557" cy="6858000"/>
-          </a:xfrm>
-          <a:prstGeom prst="rect">
-            <a:avLst/>
-          </a:prstGeom>
-          <a:solidFill>
-            <a:srgbClr val="7F7F7F"/>
-          </a:solidFill>
-          <a:ln>
-            <a:noFill/>
-          </a:ln>
-        </p:spPr>
-        <p:style>
-          <a:lnRef idx="2">
-            <a:schemeClr val="accent1">
-              <a:shade val="50000"/>
-            </a:schemeClr>
-          </a:lnRef>
-          <a:fillRef idx="1">
-            <a:schemeClr val="accent1"/>
-          </a:fillRef>
-          <a:effectRef idx="0">
-            <a:schemeClr val="accent1"/>
-          </a:effectRef>
-          <a:fontRef idx="minor">
-            <a:schemeClr val="lt1"/>
-          </a:fontRef>
-        </p:style>
-        <p:txBody>
-          <a:bodyPr rtlCol="0" anchor="ctr"/>
-          <a:lstStyle/>
-          <a:p>
-            <a:pPr algn="ctr"/>
-            <a:endParaRPr lang="en-US"/>
-          </a:p>
-        </p:txBody>
-      </p:sp>
-      <p:sp>
-        <p:nvSpPr>
           <p:cNvPr id="2" name="Title 1">
             <a:extLst>
               <a:ext uri="{FF2B5EF4-FFF2-40B4-BE49-F238E27FC236}">
-                <a16:creationId xmlns:a16="http://schemas.microsoft.com/office/drawing/2014/main" id="{343D302D-CFE1-FD45-B04D-25C8ECAA02DA}"/>
+                <a16:creationId xmlns:a16="http://schemas.microsoft.com/office/drawing/2014/main" id="{AC1FB18A-6722-D340-9064-C826643C64B4}"/>
               </a:ext>
             </a:extLst>
           </p:cNvPr>
@@ -8943,8 +9797,8 @@
         </p:nvSpPr>
         <p:spPr>
           <a:xfrm>
-            <a:off x="640080" y="2074363"/>
-            <a:ext cx="2752354" cy="2709275"/>
+            <a:off x="838200" y="2057400"/>
+            <a:ext cx="2743200" cy="2743200"/>
           </a:xfrm>
           <a:prstGeom prst="ellipse">
             <a:avLst/>
@@ -8959,73 +9813,77 @@
           </a:ln>
         </p:spPr>
         <p:txBody>
-          <a:bodyPr vert="horz" lIns="91440" tIns="45720" rIns="91440" bIns="45720" rtlCol="0" anchor="ctr">
+          <a:bodyPr anchor="ctr">
             <a:normAutofit/>
           </a:bodyPr>
           <a:lstStyle/>
           <a:p>
             <a:pPr algn="ctr"/>
             <a:r>
-              <a:rPr lang="en-US" sz="2600" kern="1200">
+              <a:rPr lang="en-US" sz="2600" dirty="0">
                 <a:solidFill>
                   <a:srgbClr val="FFFFFF"/>
                 </a:solidFill>
-                <a:latin typeface="+mj-lt"/>
-                <a:ea typeface="+mj-ea"/>
-                <a:cs typeface="+mj-cs"/>
               </a:rPr>
-              <a:t>Best Fit Model – </a:t>
-            </a:r>
-            <a:br>
-              <a:rPr lang="en-US" sz="2600" kern="1200">
-                <a:solidFill>
-                  <a:srgbClr val="FFFFFF"/>
-                </a:solidFill>
-                <a:latin typeface="+mj-lt"/>
-                <a:ea typeface="+mj-ea"/>
-                <a:cs typeface="+mj-cs"/>
-              </a:rPr>
-            </a:br>
-            <a:r>
-              <a:rPr lang="en-US" sz="2600" kern="1200">
-                <a:solidFill>
-                  <a:srgbClr val="FFFFFF"/>
-                </a:solidFill>
-                <a:latin typeface="+mj-lt"/>
-                <a:ea typeface="+mj-ea"/>
-                <a:cs typeface="+mj-cs"/>
-              </a:rPr>
-              <a:t>SVM on CTA Tweets </a:t>
-            </a:r>
-          </a:p>
-        </p:txBody>
-      </p:sp>
+              <a:t>CTA Tweets Prediction</a:t>
+            </a:r>
+          </a:p>
+        </p:txBody>
+      </p:sp>
+      <p:graphicFrame>
+        <p:nvGraphicFramePr>
+          <p:cNvPr id="4" name="Content Placeholder 3">
+            <a:extLst>
+              <a:ext uri="{FF2B5EF4-FFF2-40B4-BE49-F238E27FC236}">
+                <a16:creationId xmlns:a16="http://schemas.microsoft.com/office/drawing/2014/main" id="{2F6CF0FA-9482-49DA-8140-9BFB9D82D894}"/>
+              </a:ext>
+            </a:extLst>
+          </p:cNvPr>
+          <p:cNvGraphicFramePr>
+            <a:graphicFrameLocks noGrp="1"/>
+          </p:cNvGraphicFramePr>
+          <p:nvPr>
+            <p:ph idx="1"/>
+            <p:extLst>
+              <p:ext uri="{D42A27DB-BD31-4B8C-83A1-F6EECF244321}">
+                <p14:modId xmlns:p14="http://schemas.microsoft.com/office/powerpoint/2010/main" val="1236070219"/>
+              </p:ext>
+            </p:extLst>
+          </p:nvPr>
+        </p:nvGraphicFramePr>
+        <p:xfrm>
+          <a:off x="4038600" y="1166648"/>
+          <a:ext cx="6897255" cy="4524706"/>
+        </p:xfrm>
+        <a:graphic>
+          <a:graphicData uri="http://schemas.openxmlformats.org/drawingml/2006/chart">
+            <c:chart xmlns:c="http://schemas.openxmlformats.org/drawingml/2006/chart" xmlns:r="http://schemas.openxmlformats.org/officeDocument/2006/relationships" r:id="rId2"/>
+          </a:graphicData>
+        </a:graphic>
+      </p:graphicFrame>
       <p:pic>
         <p:nvPicPr>
-          <p:cNvPr id="5" name="Content Placeholder 4" descr="A screenshot of a cell phone&#10;&#10;Description automatically generated">
-            <a:extLst>
-              <a:ext uri="{FF2B5EF4-FFF2-40B4-BE49-F238E27FC236}">
-                <a16:creationId xmlns:a16="http://schemas.microsoft.com/office/drawing/2014/main" id="{ACCED6EF-70EC-8840-977F-B498EE6A23F1}"/>
+          <p:cNvPr id="6" name="Picture 5">
+            <a:extLst>
+              <a:ext uri="{FF2B5EF4-FFF2-40B4-BE49-F238E27FC236}">
+                <a16:creationId xmlns:a16="http://schemas.microsoft.com/office/drawing/2014/main" id="{22183BC2-569F-43D6-AB38-56EE1B358105}"/>
               </a:ext>
             </a:extLst>
           </p:cNvPr>
           <p:cNvPicPr>
-            <a:picLocks noGrp="1" noChangeAspect="1"/>
+            <a:picLocks noChangeAspect="1"/>
           </p:cNvPicPr>
-          <p:nvPr>
-            <p:ph idx="1"/>
-          </p:nvPr>
+          <p:nvPr/>
         </p:nvPicPr>
-        <p:blipFill>
-          <a:blip r:embed="rId2"/>
-          <a:stretch>
-            <a:fillRect/>
-          </a:stretch>
+        <p:blipFill rotWithShape="1">
+          <a:blip r:embed="rId3"/>
+          <a:srcRect l="9107" t="3644"/>
+          <a:stretch/>
         </p:blipFill>
         <p:spPr>
           <a:xfrm>
-            <a:off x="4038600" y="1031239"/>
-            <a:ext cx="7188199" cy="4792132"/>
+            <a:off x="4038600" y="953100"/>
+            <a:ext cx="6987997" cy="4782127"/>
           </a:xfrm>
           <a:prstGeom prst="rect">
             <a:avLst/>
@@ -9035,7 +9893,7 @@
     </p:spTree>
     <p:extLst>
       <p:ext uri="{BB962C8B-B14F-4D97-AF65-F5344CB8AC3E}">
-        <p14:creationId xmlns:p14="http://schemas.microsoft.com/office/powerpoint/2010/main" val="2582759434"/>
+        <p14:creationId xmlns:p14="http://schemas.microsoft.com/office/powerpoint/2010/main" val="2205457844"/>
       </p:ext>
     </p:extLst>
   </p:cSld>

--- a/CTA_Tweets_Sentiment_Analysis.pptx
+++ b/CTA_Tweets_Sentiment_Analysis.pptx
@@ -6524,8 +6524,38 @@
         </p:blipFill>
         <p:spPr>
           <a:xfrm>
-            <a:off x="4038600" y="1031239"/>
-            <a:ext cx="7188199" cy="4792132"/>
+            <a:off x="3567778" y="1840905"/>
+            <a:ext cx="5231790" cy="3487860"/>
+          </a:xfrm>
+          <a:prstGeom prst="rect">
+            <a:avLst/>
+          </a:prstGeom>
+        </p:spPr>
+      </p:pic>
+      <p:pic>
+        <p:nvPicPr>
+          <p:cNvPr id="3" name="Picture 2">
+            <a:extLst>
+              <a:ext uri="{FF2B5EF4-FFF2-40B4-BE49-F238E27FC236}">
+                <a16:creationId xmlns:a16="http://schemas.microsoft.com/office/drawing/2014/main" id="{C43903E1-B639-48E0-AC86-D7A308542A87}"/>
+              </a:ext>
+            </a:extLst>
+          </p:cNvPr>
+          <p:cNvPicPr>
+            <a:picLocks noChangeAspect="1"/>
+          </p:cNvPicPr>
+          <p:nvPr/>
+        </p:nvPicPr>
+        <p:blipFill>
+          <a:blip r:embed="rId3"/>
+          <a:stretch>
+            <a:fillRect/>
+          </a:stretch>
+        </p:blipFill>
+        <p:spPr>
+          <a:xfrm>
+            <a:off x="9019116" y="1691640"/>
+            <a:ext cx="2969497" cy="3285127"/>
           </a:xfrm>
           <a:prstGeom prst="rect">
             <a:avLst/>

--- a/CTA_Tweets_Sentiment_Analysis.pptx
+++ b/CTA_Tweets_Sentiment_Analysis.pptx
@@ -16,9 +16,9 @@
     <p:sldId id="266" r:id="rId7"/>
     <p:sldId id="267" r:id="rId8"/>
     <p:sldId id="273" r:id="rId9"/>
-    <p:sldId id="277" r:id="rId10"/>
-    <p:sldId id="271" r:id="rId11"/>
-    <p:sldId id="275" r:id="rId12"/>
+    <p:sldId id="278" r:id="rId10"/>
+    <p:sldId id="275" r:id="rId11"/>
+    <p:sldId id="271" r:id="rId12"/>
     <p:sldId id="272" r:id="rId13"/>
     <p:sldId id="276" r:id="rId14"/>
   </p:sldIdLst>
@@ -477,144 +477,6 @@
 </c:chartSpace>
 </file>
 
-<file path=ppt/charts/chart2.xml><?xml version="1.0" encoding="utf-8"?>
-<c:chartSpace xmlns:c="http://schemas.openxmlformats.org/drawingml/2006/chart" xmlns:a="http://schemas.openxmlformats.org/drawingml/2006/main" xmlns:r="http://schemas.openxmlformats.org/officeDocument/2006/relationships" xmlns:c16r2="http://schemas.microsoft.com/office/drawing/2015/06/chart">
-  <c:date1904 val="0"/>
-  <c:lang val="en-US"/>
-  <c:roundedCorners val="0"/>
-  <mc:AlternateContent xmlns:mc="http://schemas.openxmlformats.org/markup-compatibility/2006">
-    <mc:Choice xmlns:c14="http://schemas.microsoft.com/office/drawing/2007/8/2/chart" Requires="c14">
-      <c14:style val="103"/>
-    </mc:Choice>
-    <mc:Fallback>
-      <c:style val="3"/>
-    </mc:Fallback>
-  </mc:AlternateContent>
-  <c:chart>
-    <c:autoTitleDeleted val="0"/>
-    <c:plotArea>
-      <c:layout/>
-      <c:barChart>
-        <c:barDir val="col"/>
-        <c:grouping val="clustered"/>
-        <c:varyColors val="0"/>
-        <c:dLbls>
-          <c:dLblPos val="inEnd"/>
-          <c:showLegendKey val="0"/>
-          <c:showVal val="1"/>
-          <c:showCatName val="0"/>
-          <c:showSerName val="0"/>
-          <c:showPercent val="0"/>
-          <c:showBubbleSize val="0"/>
-        </c:dLbls>
-        <c:gapWidth val="41"/>
-        <c:axId val="1545948655"/>
-        <c:axId val="1618700719"/>
-      </c:barChart>
-      <c:catAx>
-        <c:axId val="1545948655"/>
-        <c:scaling>
-          <c:orientation val="minMax"/>
-        </c:scaling>
-        <c:delete val="0"/>
-        <c:axPos val="b"/>
-        <c:numFmt formatCode="General" sourceLinked="1"/>
-        <c:majorTickMark val="none"/>
-        <c:minorTickMark val="none"/>
-        <c:tickLblPos val="nextTo"/>
-        <c:spPr>
-          <a:noFill/>
-          <a:ln>
-            <a:noFill/>
-          </a:ln>
-          <a:effectLst/>
-        </c:spPr>
-        <c:txPr>
-          <a:bodyPr rot="-60000000" spcFirstLastPara="1" vertOverflow="ellipsis" vert="horz" wrap="square" anchor="ctr" anchorCtr="1"/>
-          <a:lstStyle/>
-          <a:p>
-            <a:pPr>
-              <a:defRPr sz="900" b="0" i="0" u="none" strike="noStrike" kern="1200" baseline="0">
-                <a:solidFill>
-                  <a:schemeClr val="dk1">
-                    <a:lumMod val="65000"/>
-                    <a:lumOff val="35000"/>
-                  </a:schemeClr>
-                </a:solidFill>
-                <a:effectLst/>
-                <a:latin typeface="+mn-lt"/>
-                <a:ea typeface="+mn-ea"/>
-                <a:cs typeface="+mn-cs"/>
-              </a:defRPr>
-            </a:pPr>
-            <a:endParaRPr lang="en-US"/>
-          </a:p>
-        </c:txPr>
-        <c:crossAx val="1618700719"/>
-        <c:crosses val="autoZero"/>
-        <c:auto val="1"/>
-        <c:lblAlgn val="ctr"/>
-        <c:lblOffset val="100"/>
-        <c:noMultiLvlLbl val="0"/>
-      </c:catAx>
-      <c:valAx>
-        <c:axId val="1618700719"/>
-        <c:scaling>
-          <c:orientation val="minMax"/>
-        </c:scaling>
-        <c:delete val="1"/>
-        <c:axPos val="l"/>
-        <c:numFmt formatCode="0.0000" sourceLinked="1"/>
-        <c:majorTickMark val="none"/>
-        <c:minorTickMark val="none"/>
-        <c:tickLblPos val="nextTo"/>
-        <c:crossAx val="1545948655"/>
-        <c:crosses val="autoZero"/>
-        <c:crossBetween val="between"/>
-      </c:valAx>
-      <c:spPr>
-        <a:noFill/>
-        <a:ln>
-          <a:noFill/>
-        </a:ln>
-        <a:effectLst/>
-      </c:spPr>
-    </c:plotArea>
-    <c:plotVisOnly val="1"/>
-    <c:dispBlanksAs val="gap"/>
-    <c:showDLblsOverMax val="0"/>
-  </c:chart>
-  <c:spPr>
-    <a:solidFill>
-      <a:schemeClr val="bg2"/>
-    </a:solidFill>
-    <a:ln w="9525" cap="flat" cmpd="sng" algn="ctr">
-      <a:solidFill>
-        <a:schemeClr val="dk1">
-          <a:lumMod val="15000"/>
-          <a:lumOff val="85000"/>
-        </a:schemeClr>
-      </a:solidFill>
-      <a:round/>
-    </a:ln>
-    <a:effectLst/>
-  </c:spPr>
-  <c:txPr>
-    <a:bodyPr/>
-    <a:lstStyle/>
-    <a:p>
-      <a:pPr>
-        <a:defRPr/>
-      </a:pPr>
-      <a:endParaRPr lang="en-US"/>
-    </a:p>
-  </c:txPr>
-  <c:externalData r:id="rId3">
-    <c:autoUpdate val="0"/>
-  </c:externalData>
-</c:chartSpace>
-</file>
-
 <file path=ppt/charts/colors1.xml><?xml version="1.0" encoding="utf-8"?>
 <cs:colorStyle xmlns:cs="http://schemas.microsoft.com/office/drawing/2012/chartStyle" xmlns:a="http://schemas.openxmlformats.org/drawingml/2006/main" meth="withinLinear" id="3">
   <a:schemeClr val="accent1"/>
@@ -626,585 +488,7 @@
 </cs:colorStyle>
 </file>
 
-<file path=ppt/charts/colors2.xml><?xml version="1.0" encoding="utf-8"?>
-<cs:colorStyle xmlns:cs="http://schemas.microsoft.com/office/drawing/2012/chartStyle" xmlns:a="http://schemas.openxmlformats.org/drawingml/2006/main" meth="withinLinear" id="3">
-  <a:schemeClr val="accent1"/>
-  <a:schemeClr val="accent1"/>
-  <a:schemeClr val="accent1"/>
-  <a:schemeClr val="accent1"/>
-  <a:schemeClr val="accent1"/>
-  <a:schemeClr val="accent1"/>
-</cs:colorStyle>
-</file>
-
 <file path=ppt/charts/style1.xml><?xml version="1.0" encoding="utf-8"?>
-<cs:chartStyle xmlns:cs="http://schemas.microsoft.com/office/drawing/2012/chartStyle" xmlns:a="http://schemas.openxmlformats.org/drawingml/2006/main" id="204">
-  <cs:axisTitle>
-    <cs:lnRef idx="0"/>
-    <cs:fillRef idx="0"/>
-    <cs:effectRef idx="0"/>
-    <cs:fontRef idx="minor">
-      <a:schemeClr val="dk1">
-        <a:lumMod val="65000"/>
-        <a:lumOff val="35000"/>
-      </a:schemeClr>
-    </cs:fontRef>
-    <cs:defRPr sz="900" b="1" kern="1200"/>
-  </cs:axisTitle>
-  <cs:categoryAxis>
-    <cs:lnRef idx="0"/>
-    <cs:fillRef idx="0"/>
-    <cs:effectRef idx="0"/>
-    <cs:fontRef idx="minor">
-      <a:schemeClr val="dk1">
-        <a:lumMod val="65000"/>
-        <a:lumOff val="35000"/>
-      </a:schemeClr>
-    </cs:fontRef>
-    <cs:defRPr sz="900" kern="1200">
-      <a:effectLst/>
-    </cs:defRPr>
-  </cs:categoryAxis>
-  <cs:chartArea>
-    <cs:lnRef idx="0"/>
-    <cs:fillRef idx="0"/>
-    <cs:effectRef idx="0"/>
-    <cs:fontRef idx="minor">
-      <a:schemeClr val="dk1"/>
-    </cs:fontRef>
-    <cs:spPr>
-      <a:gradFill flip="none" rotWithShape="1">
-        <a:gsLst>
-          <a:gs pos="0">
-            <a:schemeClr val="lt1"/>
-          </a:gs>
-          <a:gs pos="68000">
-            <a:schemeClr val="lt1">
-              <a:lumMod val="85000"/>
-            </a:schemeClr>
-          </a:gs>
-          <a:gs pos="100000">
-            <a:schemeClr val="lt1"/>
-          </a:gs>
-        </a:gsLst>
-        <a:lin ang="5400000" scaled="1"/>
-        <a:tileRect/>
-      </a:gradFill>
-      <a:ln w="9525" cap="flat" cmpd="sng" algn="ctr">
-        <a:solidFill>
-          <a:schemeClr val="dk1">
-            <a:lumMod val="15000"/>
-            <a:lumOff val="85000"/>
-          </a:schemeClr>
-        </a:solidFill>
-        <a:round/>
-      </a:ln>
-    </cs:spPr>
-    <cs:defRPr sz="1000" kern="1200"/>
-  </cs:chartArea>
-  <cs:dataLabel>
-    <cs:lnRef idx="0"/>
-    <cs:fillRef idx="0"/>
-    <cs:effectRef idx="0"/>
-    <cs:fontRef idx="minor">
-      <a:schemeClr val="lt1"/>
-    </cs:fontRef>
-    <cs:spPr/>
-    <cs:defRPr sz="1000" b="1" i="0" u="none" strike="noStrike" kern="1200" baseline="0"/>
-  </cs:dataLabel>
-  <cs:dataLabelCallout>
-    <cs:lnRef idx="0"/>
-    <cs:fillRef idx="0"/>
-    <cs:effectRef idx="0"/>
-    <cs:fontRef idx="minor">
-      <a:schemeClr val="lt1"/>
-    </cs:fontRef>
-    <cs:spPr>
-      <a:solidFill>
-        <a:schemeClr val="dk1">
-          <a:lumMod val="65000"/>
-          <a:lumOff val="35000"/>
-          <a:alpha val="75000"/>
-        </a:schemeClr>
-      </a:solidFill>
-    </cs:spPr>
-    <cs:defRPr sz="1000" b="1" kern="1200"/>
-    <cs:bodyPr rot="0" spcFirstLastPara="1" vertOverflow="clip" horzOverflow="clip" vert="horz" wrap="square" lIns="36576" tIns="18288" rIns="36576" bIns="18288" anchor="ctr" anchorCtr="1">
-      <a:spAutoFit/>
-    </cs:bodyPr>
-  </cs:dataLabelCallout>
-  <cs:dataPoint>
-    <cs:lnRef idx="0">
-      <cs:styleClr val="auto"/>
-    </cs:lnRef>
-    <cs:fillRef idx="0">
-      <cs:styleClr val="auto"/>
-    </cs:fillRef>
-    <cs:effectRef idx="0"/>
-    <cs:fontRef idx="minor">
-      <a:schemeClr val="dk1"/>
-    </cs:fontRef>
-    <cs:spPr>
-      <a:gradFill>
-        <a:gsLst>
-          <a:gs pos="0">
-            <a:schemeClr val="phClr"/>
-          </a:gs>
-          <a:gs pos="100000">
-            <a:schemeClr val="phClr">
-              <a:lumMod val="84000"/>
-            </a:schemeClr>
-          </a:gs>
-        </a:gsLst>
-        <a:lin ang="5400000" scaled="1"/>
-      </a:gradFill>
-      <a:effectLst>
-        <a:outerShdw blurRad="76200" dir="18900000" sy="23000" kx="-1200000" algn="bl" rotWithShape="0">
-          <a:prstClr val="black">
-            <a:alpha val="20000"/>
-          </a:prstClr>
-        </a:outerShdw>
-      </a:effectLst>
-    </cs:spPr>
-  </cs:dataPoint>
-  <cs:dataPoint3D>
-    <cs:lnRef idx="0"/>
-    <cs:fillRef idx="0">
-      <cs:styleClr val="auto"/>
-    </cs:fillRef>
-    <cs:effectRef idx="0"/>
-    <cs:fontRef idx="minor">
-      <a:schemeClr val="dk1"/>
-    </cs:fontRef>
-    <cs:spPr>
-      <a:gradFill>
-        <a:gsLst>
-          <a:gs pos="0">
-            <a:schemeClr val="phClr"/>
-          </a:gs>
-          <a:gs pos="100000">
-            <a:schemeClr val="phClr">
-              <a:lumMod val="84000"/>
-            </a:schemeClr>
-          </a:gs>
-        </a:gsLst>
-        <a:lin ang="5400000" scaled="1"/>
-      </a:gradFill>
-      <a:effectLst>
-        <a:outerShdw blurRad="76200" dir="18900000" sy="23000" kx="-1200000" algn="bl" rotWithShape="0">
-          <a:prstClr val="black">
-            <a:alpha val="20000"/>
-          </a:prstClr>
-        </a:outerShdw>
-      </a:effectLst>
-    </cs:spPr>
-  </cs:dataPoint3D>
-  <cs:dataPointLine>
-    <cs:lnRef idx="0">
-      <cs:styleClr val="auto"/>
-    </cs:lnRef>
-    <cs:fillRef idx="0"/>
-    <cs:effectRef idx="0"/>
-    <cs:fontRef idx="minor">
-      <a:schemeClr val="dk1"/>
-    </cs:fontRef>
-    <cs:spPr>
-      <a:ln w="28575" cap="rnd">
-        <a:gradFill>
-          <a:gsLst>
-            <a:gs pos="0">
-              <a:schemeClr val="phClr"/>
-            </a:gs>
-            <a:gs pos="100000">
-              <a:schemeClr val="phClr">
-                <a:lumMod val="84000"/>
-              </a:schemeClr>
-            </a:gs>
-          </a:gsLst>
-          <a:lin ang="5400000" scaled="1"/>
-        </a:gradFill>
-        <a:round/>
-      </a:ln>
-    </cs:spPr>
-  </cs:dataPointLine>
-  <cs:dataPointMarker>
-    <cs:lnRef idx="0"/>
-    <cs:fillRef idx="0">
-      <cs:styleClr val="auto"/>
-    </cs:fillRef>
-    <cs:effectRef idx="0"/>
-    <cs:fontRef idx="minor">
-      <a:schemeClr val="dk1"/>
-    </cs:fontRef>
-    <cs:spPr>
-      <a:gradFill>
-        <a:gsLst>
-          <a:gs pos="0">
-            <a:schemeClr val="phClr"/>
-          </a:gs>
-          <a:gs pos="100000">
-            <a:schemeClr val="phClr">
-              <a:lumMod val="84000"/>
-            </a:schemeClr>
-          </a:gs>
-        </a:gsLst>
-        <a:lin ang="5400000" scaled="1"/>
-      </a:gradFill>
-      <a:effectLst>
-        <a:outerShdw blurRad="76200" dir="18900000" sy="23000" kx="-1200000" algn="bl" rotWithShape="0">
-          <a:prstClr val="black">
-            <a:alpha val="20000"/>
-          </a:prstClr>
-        </a:outerShdw>
-      </a:effectLst>
-    </cs:spPr>
-  </cs:dataPointMarker>
-  <cs:dataPointMarkerLayout symbol="circle" size="6"/>
-  <cs:dataPointWireframe>
-    <cs:lnRef idx="0">
-      <cs:styleClr val="auto"/>
-    </cs:lnRef>
-    <cs:fillRef idx="0"/>
-    <cs:effectRef idx="0"/>
-    <cs:fontRef idx="minor">
-      <a:schemeClr val="dk1"/>
-    </cs:fontRef>
-    <cs:spPr>
-      <a:ln w="9525" cap="rnd">
-        <a:solidFill>
-          <a:schemeClr val="phClr"/>
-        </a:solidFill>
-        <a:round/>
-      </a:ln>
-    </cs:spPr>
-  </cs:dataPointWireframe>
-  <cs:dataTable>
-    <cs:lnRef idx="0"/>
-    <cs:fillRef idx="0"/>
-    <cs:effectRef idx="0"/>
-    <cs:fontRef idx="minor">
-      <a:schemeClr val="dk1">
-        <a:lumMod val="65000"/>
-        <a:lumOff val="35000"/>
-      </a:schemeClr>
-    </cs:fontRef>
-    <cs:spPr>
-      <a:ln w="9525">
-        <a:solidFill>
-          <a:schemeClr val="dk1">
-            <a:lumMod val="15000"/>
-            <a:lumOff val="85000"/>
-          </a:schemeClr>
-        </a:solidFill>
-      </a:ln>
-    </cs:spPr>
-    <cs:defRPr sz="900" kern="1200"/>
-  </cs:dataTable>
-  <cs:downBar>
-    <cs:lnRef idx="0"/>
-    <cs:fillRef idx="0"/>
-    <cs:effectRef idx="0"/>
-    <cs:fontRef idx="minor">
-      <a:schemeClr val="dk1"/>
-    </cs:fontRef>
-    <cs:spPr>
-      <a:solidFill>
-        <a:schemeClr val="dk1">
-          <a:lumMod val="35000"/>
-          <a:lumOff val="65000"/>
-        </a:schemeClr>
-      </a:solidFill>
-      <a:ln w="9525">
-        <a:solidFill>
-          <a:schemeClr val="dk1">
-            <a:lumMod val="50000"/>
-            <a:lumOff val="50000"/>
-          </a:schemeClr>
-        </a:solidFill>
-      </a:ln>
-    </cs:spPr>
-  </cs:downBar>
-  <cs:dropLine>
-    <cs:lnRef idx="0"/>
-    <cs:fillRef idx="0"/>
-    <cs:effectRef idx="0"/>
-    <cs:fontRef idx="minor">
-      <a:schemeClr val="dk1"/>
-    </cs:fontRef>
-    <cs:spPr>
-      <a:ln w="9525">
-        <a:solidFill>
-          <a:schemeClr val="dk1">
-            <a:lumMod val="50000"/>
-            <a:lumOff val="50000"/>
-          </a:schemeClr>
-        </a:solidFill>
-        <a:round/>
-      </a:ln>
-    </cs:spPr>
-  </cs:dropLine>
-  <cs:errorBar>
-    <cs:lnRef idx="0"/>
-    <cs:fillRef idx="0"/>
-    <cs:effectRef idx="0"/>
-    <cs:fontRef idx="minor">
-      <a:schemeClr val="dk1"/>
-    </cs:fontRef>
-    <cs:spPr>
-      <a:ln w="9525">
-        <a:solidFill>
-          <a:schemeClr val="dk1">
-            <a:lumMod val="50000"/>
-            <a:lumOff val="50000"/>
-          </a:schemeClr>
-        </a:solidFill>
-        <a:round/>
-      </a:ln>
-    </cs:spPr>
-  </cs:errorBar>
-  <cs:floor>
-    <cs:lnRef idx="0"/>
-    <cs:fillRef idx="0"/>
-    <cs:effectRef idx="0"/>
-    <cs:fontRef idx="minor">
-      <a:schemeClr val="dk1"/>
-    </cs:fontRef>
-  </cs:floor>
-  <cs:gridlineMajor>
-    <cs:lnRef idx="0"/>
-    <cs:fillRef idx="0"/>
-    <cs:effectRef idx="0"/>
-    <cs:fontRef idx="minor">
-      <a:schemeClr val="dk1"/>
-    </cs:fontRef>
-    <cs:spPr>
-      <a:ln w="9525" cap="flat" cmpd="sng" algn="ctr">
-        <a:solidFill>
-          <a:schemeClr val="dk1">
-            <a:lumMod val="15000"/>
-            <a:lumOff val="85000"/>
-          </a:schemeClr>
-        </a:solidFill>
-        <a:round/>
-      </a:ln>
-    </cs:spPr>
-  </cs:gridlineMajor>
-  <cs:gridlineMinor>
-    <cs:lnRef idx="0"/>
-    <cs:fillRef idx="0"/>
-    <cs:effectRef idx="0"/>
-    <cs:fontRef idx="minor">
-      <a:schemeClr val="dk1"/>
-    </cs:fontRef>
-    <cs:spPr>
-      <a:ln>
-        <a:solidFill>
-          <a:schemeClr val="dk1">
-            <a:lumMod val="5000"/>
-            <a:lumOff val="95000"/>
-          </a:schemeClr>
-        </a:solidFill>
-      </a:ln>
-    </cs:spPr>
-  </cs:gridlineMinor>
-  <cs:hiLoLine>
-    <cs:lnRef idx="0"/>
-    <cs:fillRef idx="0"/>
-    <cs:effectRef idx="0"/>
-    <cs:fontRef idx="minor">
-      <a:schemeClr val="dk1"/>
-    </cs:fontRef>
-    <cs:spPr>
-      <a:ln w="9525">
-        <a:solidFill>
-          <a:schemeClr val="dk1">
-            <a:lumMod val="50000"/>
-            <a:lumOff val="50000"/>
-          </a:schemeClr>
-        </a:solidFill>
-        <a:round/>
-      </a:ln>
-    </cs:spPr>
-  </cs:hiLoLine>
-  <cs:leaderLine>
-    <cs:lnRef idx="0"/>
-    <cs:fillRef idx="0"/>
-    <cs:effectRef idx="0"/>
-    <cs:fontRef idx="minor">
-      <a:schemeClr val="dk1"/>
-    </cs:fontRef>
-    <cs:spPr>
-      <a:ln w="9525">
-        <a:solidFill>
-          <a:schemeClr val="dk1">
-            <a:lumMod val="50000"/>
-            <a:lumOff val="50000"/>
-          </a:schemeClr>
-        </a:solidFill>
-      </a:ln>
-    </cs:spPr>
-  </cs:leaderLine>
-  <cs:legend>
-    <cs:lnRef idx="0"/>
-    <cs:fillRef idx="0"/>
-    <cs:effectRef idx="0"/>
-    <cs:fontRef idx="minor">
-      <a:schemeClr val="dk1">
-        <a:lumMod val="65000"/>
-        <a:lumOff val="35000"/>
-      </a:schemeClr>
-    </cs:fontRef>
-    <cs:defRPr sz="900" kern="1200"/>
-  </cs:legend>
-  <cs:plotArea>
-    <cs:lnRef idx="0"/>
-    <cs:fillRef idx="0"/>
-    <cs:effectRef idx="0"/>
-    <cs:fontRef idx="minor">
-      <a:schemeClr val="dk1"/>
-    </cs:fontRef>
-  </cs:plotArea>
-  <cs:plotArea3D>
-    <cs:lnRef idx="0"/>
-    <cs:fillRef idx="0"/>
-    <cs:effectRef idx="0"/>
-    <cs:fontRef idx="minor">
-      <a:schemeClr val="dk1"/>
-    </cs:fontRef>
-  </cs:plotArea3D>
-  <cs:seriesAxis>
-    <cs:lnRef idx="0"/>
-    <cs:fillRef idx="0"/>
-    <cs:effectRef idx="0"/>
-    <cs:fontRef idx="minor">
-      <a:schemeClr val="dk1">
-        <a:lumMod val="65000"/>
-        <a:lumOff val="35000"/>
-      </a:schemeClr>
-    </cs:fontRef>
-    <cs:spPr>
-      <a:ln w="9525" cap="flat" cmpd="sng" algn="ctr">
-        <a:solidFill>
-          <a:schemeClr val="dk1">
-            <a:lumMod val="15000"/>
-            <a:lumOff val="85000"/>
-          </a:schemeClr>
-        </a:solidFill>
-        <a:round/>
-      </a:ln>
-    </cs:spPr>
-    <cs:defRPr sz="900" kern="1200"/>
-  </cs:seriesAxis>
-  <cs:seriesLine>
-    <cs:lnRef idx="0"/>
-    <cs:fillRef idx="0"/>
-    <cs:effectRef idx="0"/>
-    <cs:fontRef idx="minor">
-      <a:schemeClr val="dk1"/>
-    </cs:fontRef>
-    <cs:spPr>
-      <a:ln w="9525">
-        <a:solidFill>
-          <a:schemeClr val="dk1">
-            <a:lumMod val="50000"/>
-            <a:lumOff val="50000"/>
-          </a:schemeClr>
-        </a:solidFill>
-        <a:round/>
-      </a:ln>
-    </cs:spPr>
-  </cs:seriesLine>
-  <cs:title>
-    <cs:lnRef idx="0"/>
-    <cs:fillRef idx="0"/>
-    <cs:effectRef idx="0"/>
-    <cs:fontRef idx="minor">
-      <a:schemeClr val="dk1">
-        <a:lumMod val="65000"/>
-        <a:lumOff val="35000"/>
-      </a:schemeClr>
-    </cs:fontRef>
-    <cs:defRPr kern="1200">
-      <a:effectLst/>
-    </cs:defRPr>
-  </cs:title>
-  <cs:trendline>
-    <cs:lnRef idx="0">
-      <cs:styleClr val="auto"/>
-    </cs:lnRef>
-    <cs:fillRef idx="0"/>
-    <cs:effectRef idx="0"/>
-    <cs:fontRef idx="minor">
-      <a:schemeClr val="dk1"/>
-    </cs:fontRef>
-    <cs:spPr>
-      <a:ln w="19050" cap="rnd">
-        <a:solidFill>
-          <a:schemeClr val="phClr"/>
-        </a:solidFill>
-        <a:prstDash val="sysDash"/>
-      </a:ln>
-    </cs:spPr>
-  </cs:trendline>
-  <cs:trendlineLabel>
-    <cs:lnRef idx="0"/>
-    <cs:fillRef idx="0"/>
-    <cs:effectRef idx="0"/>
-    <cs:fontRef idx="minor">
-      <a:schemeClr val="dk1">
-        <a:lumMod val="65000"/>
-        <a:lumOff val="35000"/>
-      </a:schemeClr>
-    </cs:fontRef>
-    <cs:defRPr sz="900" kern="1200"/>
-  </cs:trendlineLabel>
-  <cs:upBar>
-    <cs:lnRef idx="0"/>
-    <cs:fillRef idx="0"/>
-    <cs:effectRef idx="0"/>
-    <cs:fontRef idx="minor">
-      <a:schemeClr val="dk1"/>
-    </cs:fontRef>
-    <cs:spPr>
-      <a:solidFill>
-        <a:schemeClr val="lt1">
-          <a:lumMod val="95000"/>
-        </a:schemeClr>
-      </a:solidFill>
-      <a:ln w="9525">
-        <a:solidFill>
-          <a:schemeClr val="dk1">
-            <a:lumMod val="15000"/>
-            <a:lumOff val="85000"/>
-          </a:schemeClr>
-        </a:solidFill>
-      </a:ln>
-    </cs:spPr>
-  </cs:upBar>
-  <cs:valueAxis>
-    <cs:lnRef idx="0"/>
-    <cs:fillRef idx="0"/>
-    <cs:effectRef idx="0"/>
-    <cs:fontRef idx="minor">
-      <a:schemeClr val="dk1">
-        <a:lumMod val="65000"/>
-        <a:lumOff val="35000"/>
-      </a:schemeClr>
-    </cs:fontRef>
-    <cs:defRPr sz="900" kern="1200"/>
-  </cs:valueAxis>
-  <cs:wall>
-    <cs:lnRef idx="0"/>
-    <cs:fillRef idx="0"/>
-    <cs:effectRef idx="0"/>
-    <cs:fontRef idx="minor">
-      <a:schemeClr val="dk1"/>
-    </cs:fontRef>
-  </cs:wall>
-</cs:chartStyle>
-</file>
-
-<file path=ppt/charts/style2.xml><?xml version="1.0" encoding="utf-8"?>
 <cs:chartStyle xmlns:cs="http://schemas.microsoft.com/office/drawing/2012/chartStyle" xmlns:a="http://schemas.openxmlformats.org/drawingml/2006/main" id="204">
   <cs:axisTitle>
     <cs:lnRef idx="0"/>
@@ -1853,7 +1137,7 @@
           <a:p>
             <a:fld id="{8965C24A-5761-1B40-A05F-94C54865E98E}" type="datetimeFigureOut">
               <a:rPr lang="en-US" smtClean="0"/>
-              <a:t>10/29/2019</a:t>
+              <a:t>10/29/19</a:t>
             </a:fld>
             <a:endParaRPr lang="en-US"/>
           </a:p>
@@ -2267,7 +1551,7 @@
           <a:p>
             <a:fld id="{2E7E546F-C483-7240-8BA7-56E98D10C275}" type="datetimeFigureOut">
               <a:rPr lang="en-US" smtClean="0"/>
-              <a:t>10/29/2019</a:t>
+              <a:t>10/29/19</a:t>
             </a:fld>
             <a:endParaRPr lang="en-US"/>
           </a:p>
@@ -2465,7 +1749,7 @@
           <a:p>
             <a:fld id="{2E7E546F-C483-7240-8BA7-56E98D10C275}" type="datetimeFigureOut">
               <a:rPr lang="en-US" smtClean="0"/>
-              <a:t>10/29/2019</a:t>
+              <a:t>10/29/19</a:t>
             </a:fld>
             <a:endParaRPr lang="en-US"/>
           </a:p>
@@ -2673,7 +1957,7 @@
           <a:p>
             <a:fld id="{2E7E546F-C483-7240-8BA7-56E98D10C275}" type="datetimeFigureOut">
               <a:rPr lang="en-US" smtClean="0"/>
-              <a:t>10/29/2019</a:t>
+              <a:t>10/29/19</a:t>
             </a:fld>
             <a:endParaRPr lang="en-US"/>
           </a:p>
@@ -3550,7 +2834,7 @@
           <a:p>
             <a:fld id="{2E7E546F-C483-7240-8BA7-56E98D10C275}" type="datetimeFigureOut">
               <a:rPr lang="en-US" smtClean="0"/>
-              <a:t>10/29/2019</a:t>
+              <a:t>10/29/19</a:t>
             </a:fld>
             <a:endParaRPr lang="en-US"/>
           </a:p>
@@ -3825,7 +3109,7 @@
           <a:p>
             <a:fld id="{2E7E546F-C483-7240-8BA7-56E98D10C275}" type="datetimeFigureOut">
               <a:rPr lang="en-US" smtClean="0"/>
-              <a:t>10/29/2019</a:t>
+              <a:t>10/29/19</a:t>
             </a:fld>
             <a:endParaRPr lang="en-US"/>
           </a:p>
@@ -4090,7 +3374,7 @@
           <a:p>
             <a:fld id="{2E7E546F-C483-7240-8BA7-56E98D10C275}" type="datetimeFigureOut">
               <a:rPr lang="en-US" smtClean="0"/>
-              <a:t>10/29/2019</a:t>
+              <a:t>10/29/19</a:t>
             </a:fld>
             <a:endParaRPr lang="en-US"/>
           </a:p>
@@ -4502,7 +3786,7 @@
           <a:p>
             <a:fld id="{2E7E546F-C483-7240-8BA7-56E98D10C275}" type="datetimeFigureOut">
               <a:rPr lang="en-US" smtClean="0"/>
-              <a:t>10/29/2019</a:t>
+              <a:t>10/29/19</a:t>
             </a:fld>
             <a:endParaRPr lang="en-US"/>
           </a:p>
@@ -4643,7 +3927,7 @@
           <a:p>
             <a:fld id="{2E7E546F-C483-7240-8BA7-56E98D10C275}" type="datetimeFigureOut">
               <a:rPr lang="en-US" smtClean="0"/>
-              <a:t>10/29/2019</a:t>
+              <a:t>10/29/19</a:t>
             </a:fld>
             <a:endParaRPr lang="en-US"/>
           </a:p>
@@ -4756,7 +4040,7 @@
           <a:p>
             <a:fld id="{2E7E546F-C483-7240-8BA7-56E98D10C275}" type="datetimeFigureOut">
               <a:rPr lang="en-US" smtClean="0"/>
-              <a:t>10/29/2019</a:t>
+              <a:t>10/29/19</a:t>
             </a:fld>
             <a:endParaRPr lang="en-US"/>
           </a:p>
@@ -5067,7 +4351,7 @@
           <a:p>
             <a:fld id="{2E7E546F-C483-7240-8BA7-56E98D10C275}" type="datetimeFigureOut">
               <a:rPr lang="en-US" smtClean="0"/>
-              <a:t>10/29/2019</a:t>
+              <a:t>10/29/19</a:t>
             </a:fld>
             <a:endParaRPr lang="en-US"/>
           </a:p>
@@ -5355,7 +4639,7 @@
           <a:p>
             <a:fld id="{2E7E546F-C483-7240-8BA7-56E98D10C275}" type="datetimeFigureOut">
               <a:rPr lang="en-US" smtClean="0"/>
-              <a:t>10/29/2019</a:t>
+              <a:t>10/29/19</a:t>
             </a:fld>
             <a:endParaRPr lang="en-US"/>
           </a:p>
@@ -5596,7 +4880,7 @@
           <a:p>
             <a:fld id="{2E7E546F-C483-7240-8BA7-56E98D10C275}" type="datetimeFigureOut">
               <a:rPr lang="en-US" smtClean="0"/>
-              <a:t>10/29/2019</a:t>
+              <a:t>10/29/19</a:t>
             </a:fld>
             <a:endParaRPr lang="en-US"/>
           </a:p>
@@ -6165,13 +5449,18 @@
           <a:p>
             <a:pPr algn="l"/>
             <a:r>
-              <a:rPr lang="en-US" sz="4400" dirty="0">
+              <a:rPr lang="en-US" sz="4400">
                 <a:solidFill>
                   <a:srgbClr val="000000"/>
                 </a:solidFill>
               </a:rPr>
               <a:t>Chicago CTA Tweets</a:t>
             </a:r>
+            <a:endParaRPr lang="en-US" sz="4400" dirty="0">
+              <a:solidFill>
+                <a:srgbClr val="000000"/>
+              </a:solidFill>
+            </a:endParaRPr>
           </a:p>
         </p:txBody>
       </p:sp>
@@ -6205,29 +5494,18 @@
           <a:p>
             <a:pPr algn="l"/>
             <a:r>
-              <a:rPr lang="en-US" sz="1800" dirty="0">
+              <a:rPr lang="en-US" sz="1800">
                 <a:solidFill>
                   <a:srgbClr val="000000"/>
                 </a:solidFill>
               </a:rPr>
-              <a:t>Group Members: Joseph </a:t>
-            </a:r>
-            <a:r>
-              <a:rPr lang="en-US" sz="1800" dirty="0" err="1">
-                <a:solidFill>
-                  <a:srgbClr val="000000"/>
-                </a:solidFill>
-              </a:rPr>
-              <a:t>Wantroba</a:t>
-            </a:r>
-            <a:r>
-              <a:rPr lang="en-US" sz="1800" dirty="0">
-                <a:solidFill>
-                  <a:srgbClr val="000000"/>
-                </a:solidFill>
-              </a:rPr>
-              <a:t>, Amy Cleveland, Garima Chauhan, Gabriela Hernandez, Kelly Lao</a:t>
-            </a:r>
+              <a:t>Group Members: Joseph Wantroba, Amy Cleveland, Garima Chauhan, Gabriela Hernandez, Kelly Lao</a:t>
+            </a:r>
+            <a:endParaRPr lang="en-US" sz="1800" dirty="0">
+              <a:solidFill>
+                <a:srgbClr val="000000"/>
+              </a:solidFill>
+            </a:endParaRPr>
           </a:p>
         </p:txBody>
       </p:sp>
@@ -6301,7 +5579,7 @@
       </p:grpSpPr>
       <p:sp>
         <p:nvSpPr>
-          <p:cNvPr id="21" name="Rectangle 16">
+          <p:cNvPr id="21" name="Rectangle 20">
             <a:extLst>
               <a:ext uri="{FF2B5EF4-FFF2-40B4-BE49-F238E27FC236}">
                 <a16:creationId xmlns:a16="http://schemas.microsoft.com/office/drawing/2014/main" id="{6753252F-4873-4F63-801D-CC719279A7D5}"/>
@@ -6364,7 +5642,7 @@
       </p:sp>
       <p:sp>
         <p:nvSpPr>
-          <p:cNvPr id="22" name="Rectangle 18">
+          <p:cNvPr id="23" name="Rectangle 22">
             <a:extLst>
               <a:ext uri="{FF2B5EF4-FFF2-40B4-BE49-F238E27FC236}">
                 <a16:creationId xmlns:a16="http://schemas.microsoft.com/office/drawing/2014/main" id="{047C8CCB-F95D-4249-92DD-651249D3535A}"/>
@@ -6430,7 +5708,7 @@
           <p:cNvPr id="2" name="Title 1">
             <a:extLst>
               <a:ext uri="{FF2B5EF4-FFF2-40B4-BE49-F238E27FC236}">
-                <a16:creationId xmlns:a16="http://schemas.microsoft.com/office/drawing/2014/main" id="{343D302D-CFE1-FD45-B04D-25C8ECAA02DA}"/>
+                <a16:creationId xmlns:a16="http://schemas.microsoft.com/office/drawing/2014/main" id="{4751B3A7-DAF8-C14B-AA54-B2D2C18249D1}"/>
               </a:ext>
             </a:extLst>
           </p:cNvPr>
@@ -6474,38 +5752,17 @@
                 <a:ea typeface="+mj-ea"/>
                 <a:cs typeface="+mj-cs"/>
               </a:rPr>
-              <a:t>Best Fit Model – </a:t>
-            </a:r>
-            <a:br>
-              <a:rPr lang="en-US" sz="2600" kern="1200">
-                <a:solidFill>
-                  <a:srgbClr val="FFFFFF"/>
-                </a:solidFill>
-                <a:latin typeface="+mj-lt"/>
-                <a:ea typeface="+mj-ea"/>
-                <a:cs typeface="+mj-cs"/>
-              </a:rPr>
-            </a:br>
-            <a:r>
-              <a:rPr lang="en-US" sz="2600" kern="1200">
-                <a:solidFill>
-                  <a:srgbClr val="FFFFFF"/>
-                </a:solidFill>
-                <a:latin typeface="+mj-lt"/>
-                <a:ea typeface="+mj-ea"/>
-                <a:cs typeface="+mj-cs"/>
-              </a:rPr>
-              <a:t>SVM on CTA Tweets </a:t>
+              <a:t>Number of Tweets per day </a:t>
             </a:r>
           </a:p>
         </p:txBody>
       </p:sp>
       <p:pic>
         <p:nvPicPr>
-          <p:cNvPr id="5" name="Content Placeholder 4" descr="A screenshot of a cell phone&#10;&#10;Description automatically generated">
-            <a:extLst>
-              <a:ext uri="{FF2B5EF4-FFF2-40B4-BE49-F238E27FC236}">
-                <a16:creationId xmlns:a16="http://schemas.microsoft.com/office/drawing/2014/main" id="{ACCED6EF-70EC-8840-977F-B498EE6A23F1}"/>
+          <p:cNvPr id="9" name="Content Placeholder 8" descr="A screenshot of a cell phone&#10;&#10;Description automatically generated">
+            <a:extLst>
+              <a:ext uri="{FF2B5EF4-FFF2-40B4-BE49-F238E27FC236}">
+                <a16:creationId xmlns:a16="http://schemas.microsoft.com/office/drawing/2014/main" id="{A6F29EEF-75A4-EB4C-B4FA-A3DBC6FC24BA}"/>
               </a:ext>
             </a:extLst>
           </p:cNvPr>
@@ -6524,38 +5781,8 @@
         </p:blipFill>
         <p:spPr>
           <a:xfrm>
-            <a:off x="3567778" y="1840905"/>
-            <a:ext cx="5231790" cy="3487860"/>
-          </a:xfrm>
-          <a:prstGeom prst="rect">
-            <a:avLst/>
-          </a:prstGeom>
-        </p:spPr>
-      </p:pic>
-      <p:pic>
-        <p:nvPicPr>
-          <p:cNvPr id="3" name="Picture 2">
-            <a:extLst>
-              <a:ext uri="{FF2B5EF4-FFF2-40B4-BE49-F238E27FC236}">
-                <a16:creationId xmlns:a16="http://schemas.microsoft.com/office/drawing/2014/main" id="{C43903E1-B639-48E0-AC86-D7A308542A87}"/>
-              </a:ext>
-            </a:extLst>
-          </p:cNvPr>
-          <p:cNvPicPr>
-            <a:picLocks noChangeAspect="1"/>
-          </p:cNvPicPr>
-          <p:nvPr/>
-        </p:nvPicPr>
-        <p:blipFill>
-          <a:blip r:embed="rId3"/>
-          <a:stretch>
-            <a:fillRect/>
-          </a:stretch>
-        </p:blipFill>
-        <p:spPr>
-          <a:xfrm>
-            <a:off x="9019116" y="1691640"/>
-            <a:ext cx="2969497" cy="3285127"/>
+            <a:off x="3541234" y="1270846"/>
+            <a:ext cx="7685566" cy="4611339"/>
           </a:xfrm>
           <a:prstGeom prst="rect">
             <a:avLst/>
@@ -6565,7 +5792,7 @@
     </p:spTree>
     <p:extLst>
       <p:ext uri="{BB962C8B-B14F-4D97-AF65-F5344CB8AC3E}">
-        <p14:creationId xmlns:p14="http://schemas.microsoft.com/office/powerpoint/2010/main" val="2582759434"/>
+        <p14:creationId xmlns:p14="http://schemas.microsoft.com/office/powerpoint/2010/main" val="3663407867"/>
       </p:ext>
     </p:extLst>
   </p:cSld>
@@ -6600,21 +5827,21 @@
           <a:chExt cx="0" cy="0"/>
         </a:xfrm>
       </p:grpSpPr>
-      <p:sp>
-        <p:nvSpPr>
-          <p:cNvPr id="21" name="Rectangle 20">
-            <a:extLst>
-              <a:ext uri="{FF2B5EF4-FFF2-40B4-BE49-F238E27FC236}">
-                <a16:creationId xmlns:a16="http://schemas.microsoft.com/office/drawing/2014/main" id="{6753252F-4873-4F63-801D-CC719279A7D5}"/>
+      <p:cxnSp>
+        <p:nvCxnSpPr>
+          <p:cNvPr id="27" name="Straight Connector 26">
+            <a:extLst>
+              <a:ext uri="{FF2B5EF4-FFF2-40B4-BE49-F238E27FC236}">
+                <a16:creationId xmlns:a16="http://schemas.microsoft.com/office/drawing/2014/main" id="{DB146403-F3D6-484B-B2ED-97F9565D0370}"/>
               </a:ext>
               <a:ext uri="{C183D7F6-B498-43B3-948B-1728B52AA6E4}">
                 <adec:decorative xmlns:adec="http://schemas.microsoft.com/office/drawing/2017/decorative" val="1"/>
               </a:ext>
             </a:extLst>
           </p:cNvPr>
-          <p:cNvSpPr>
-            <a:spLocks noGrp="1" noRot="1" noChangeAspect="1" noMove="1" noResize="1" noEditPoints="1" noAdjustHandles="1" noChangeArrowheads="1" noChangeShapeType="1" noTextEdit="1"/>
-          </p:cNvSpPr>
+          <p:cNvCxnSpPr>
+            <a:cxnSpLocks noGrp="1" noRot="1" noChangeAspect="1" noMove="1" noResize="1" noEditPoints="1" noAdjustHandles="1" noChangeArrowheads="1" noChangeShapeType="1"/>
+          </p:cNvCxnSpPr>
           <p:nvPr>
             <p:extLst>
               <p:ext uri="{386F3935-93C4-4BCD-93E2-E3B085C9AB24}">
@@ -6622,20 +5849,74 @@
               </p:ext>
             </p:extLst>
           </p:nvPr>
-        </p:nvSpPr>
+        </p:nvCxnSpPr>
         <p:spPr>
           <a:xfrm>
-            <a:off x="0" y="0"/>
-            <a:ext cx="12192000" cy="6858000"/>
+            <a:off x="6096000" y="477749"/>
+            <a:ext cx="0" cy="3657600"/>
+          </a:xfrm>
+          <a:prstGeom prst="line">
+            <a:avLst/>
+          </a:prstGeom>
+          <a:ln w="101600" cmpd="dbl">
+            <a:solidFill>
+              <a:srgbClr val="595959"/>
+            </a:solidFill>
+          </a:ln>
+        </p:spPr>
+        <p:style>
+          <a:lnRef idx="1">
+            <a:schemeClr val="accent1"/>
+          </a:lnRef>
+          <a:fillRef idx="0">
+            <a:schemeClr val="accent1"/>
+          </a:fillRef>
+          <a:effectRef idx="0">
+            <a:schemeClr val="accent1"/>
+          </a:effectRef>
+          <a:fontRef idx="minor">
+            <a:schemeClr val="tx1"/>
+          </a:fontRef>
+        </p:style>
+      </p:cxnSp>
+      <p:sp>
+        <p:nvSpPr>
+          <p:cNvPr id="29" name="Rectangle 28">
+            <a:extLst>
+              <a:ext uri="{FF2B5EF4-FFF2-40B4-BE49-F238E27FC236}">
+                <a16:creationId xmlns:a16="http://schemas.microsoft.com/office/drawing/2014/main" id="{823AC064-BC96-4F32-8AE1-B2FD38754823}"/>
+              </a:ext>
+              <a:ext uri="{C183D7F6-B498-43B3-948B-1728B52AA6E4}">
+                <adec:decorative xmlns:adec="http://schemas.microsoft.com/office/drawing/2017/decorative" val="1"/>
+              </a:ext>
+            </a:extLst>
+          </p:cNvPr>
+          <p:cNvSpPr>
+            <a:spLocks noGrp="1" noRot="1" noChangeAspect="1" noMove="1" noResize="1" noEditPoints="1" noAdjustHandles="1" noChangeArrowheads="1" noChangeShapeType="1" noTextEdit="1"/>
+          </p:cNvSpPr>
+          <p:nvPr>
+            <p:extLst>
+              <p:ext uri="{386F3935-93C4-4BCD-93E2-E3B085C9AB24}">
+                <p16:designElem xmlns:p16="http://schemas.microsoft.com/office/powerpoint/2015/main" val="1"/>
+              </p:ext>
+            </p:extLst>
+          </p:nvPr>
+        </p:nvSpPr>
+        <p:spPr bwMode="ltGray">
+          <a:xfrm>
+            <a:off x="378068" y="4633546"/>
+            <a:ext cx="11438793" cy="1844256"/>
           </a:xfrm>
           <a:prstGeom prst="rect">
             <a:avLst/>
           </a:prstGeom>
           <a:solidFill>
-            <a:srgbClr val="FFFFFF"/>
+            <a:srgbClr val="404040"/>
           </a:solidFill>
-          <a:ln>
-            <a:noFill/>
+          <a:ln w="127000" cap="sq" cmpd="thinThick">
+            <a:solidFill>
+              <a:srgbClr val="404040"/>
+            </a:solidFill>
           </a:ln>
         </p:spPr>
         <p:style>
@@ -6665,109 +5946,38 @@
       </p:sp>
       <p:sp>
         <p:nvSpPr>
-          <p:cNvPr id="23" name="Rectangle 22">
-            <a:extLst>
-              <a:ext uri="{FF2B5EF4-FFF2-40B4-BE49-F238E27FC236}">
-                <a16:creationId xmlns:a16="http://schemas.microsoft.com/office/drawing/2014/main" id="{047C8CCB-F95D-4249-92DD-651249D3535A}"/>
-              </a:ext>
-              <a:ext uri="{C183D7F6-B498-43B3-948B-1728B52AA6E4}">
-                <adec:decorative xmlns:adec="http://schemas.microsoft.com/office/drawing/2017/decorative" val="1"/>
-              </a:ext>
-            </a:extLst>
-          </p:cNvPr>
-          <p:cNvSpPr>
-            <a:spLocks noGrp="1" noRot="1" noChangeAspect="1" noMove="1" noResize="1" noEditPoints="1" noAdjustHandles="1" noChangeArrowheads="1" noChangeShapeType="1" noTextEdit="1"/>
-          </p:cNvSpPr>
-          <p:nvPr>
-            <p:extLst>
-              <p:ext uri="{386F3935-93C4-4BCD-93E2-E3B085C9AB24}">
-                <p16:designElem xmlns:p16="http://schemas.microsoft.com/office/powerpoint/2015/main" val="1"/>
-              </p:ext>
-            </p:extLst>
+          <p:cNvPr id="2" name="Title 1">
+            <a:extLst>
+              <a:ext uri="{FF2B5EF4-FFF2-40B4-BE49-F238E27FC236}">
+                <a16:creationId xmlns:a16="http://schemas.microsoft.com/office/drawing/2014/main" id="{343D302D-CFE1-FD45-B04D-25C8ECAA02DA}"/>
+              </a:ext>
+            </a:extLst>
+          </p:cNvPr>
+          <p:cNvSpPr>
+            <a:spLocks noGrp="1"/>
+          </p:cNvSpPr>
+          <p:nvPr>
+            <p:ph type="title"/>
           </p:nvPr>
         </p:nvSpPr>
         <p:spPr>
           <a:xfrm>
-            <a:off x="0" y="0"/>
-            <a:ext cx="2013557" cy="6858000"/>
-          </a:xfrm>
-          <a:prstGeom prst="rect">
-            <a:avLst/>
-          </a:prstGeom>
-          <a:solidFill>
-            <a:srgbClr val="7F7F7F"/>
-          </a:solidFill>
-          <a:ln>
-            <a:noFill/>
-          </a:ln>
-        </p:spPr>
-        <p:style>
-          <a:lnRef idx="2">
-            <a:schemeClr val="accent1">
-              <a:shade val="50000"/>
-            </a:schemeClr>
-          </a:lnRef>
-          <a:fillRef idx="1">
-            <a:schemeClr val="accent1"/>
-          </a:fillRef>
-          <a:effectRef idx="0">
-            <a:schemeClr val="accent1"/>
-          </a:effectRef>
-          <a:fontRef idx="minor">
-            <a:schemeClr val="lt1"/>
-          </a:fontRef>
-        </p:style>
-        <p:txBody>
-          <a:bodyPr rtlCol="0" anchor="ctr"/>
-          <a:lstStyle/>
-          <a:p>
-            <a:pPr algn="ctr"/>
-            <a:endParaRPr lang="en-US"/>
-          </a:p>
-        </p:txBody>
-      </p:sp>
-      <p:sp>
-        <p:nvSpPr>
-          <p:cNvPr id="2" name="Title 1">
-            <a:extLst>
-              <a:ext uri="{FF2B5EF4-FFF2-40B4-BE49-F238E27FC236}">
-                <a16:creationId xmlns:a16="http://schemas.microsoft.com/office/drawing/2014/main" id="{4751B3A7-DAF8-C14B-AA54-B2D2C18249D1}"/>
-              </a:ext>
-            </a:extLst>
-          </p:cNvPr>
-          <p:cNvSpPr>
-            <a:spLocks noGrp="1"/>
-          </p:cNvSpPr>
-          <p:nvPr>
-            <p:ph type="title"/>
-          </p:nvPr>
-        </p:nvSpPr>
-        <p:spPr>
-          <a:xfrm>
-            <a:off x="640080" y="2074363"/>
-            <a:ext cx="2752354" cy="2709275"/>
+            <a:off x="527538" y="4756638"/>
+            <a:ext cx="11139854" cy="930447"/>
           </a:xfrm>
           <a:prstGeom prst="ellipse">
             <a:avLst/>
           </a:prstGeom>
-          <a:solidFill>
-            <a:srgbClr val="262626"/>
-          </a:solidFill>
-          <a:ln w="174625" cmpd="thinThick">
-            <a:solidFill>
-              <a:srgbClr val="262626"/>
-            </a:solidFill>
-          </a:ln>
         </p:spPr>
         <p:txBody>
-          <a:bodyPr vert="horz" lIns="91440" tIns="45720" rIns="91440" bIns="45720" rtlCol="0" anchor="ctr">
+          <a:bodyPr vert="horz" lIns="91440" tIns="45720" rIns="91440" bIns="45720" rtlCol="0" anchor="b">
             <a:normAutofit/>
           </a:bodyPr>
           <a:lstStyle/>
           <a:p>
             <a:pPr algn="ctr"/>
             <a:r>
-              <a:rPr lang="en-US" sz="2600" kern="1200">
+              <a:rPr lang="en-US" sz="1800" kern="1200">
                 <a:solidFill>
                   <a:srgbClr val="FFFFFF"/>
                 </a:solidFill>
@@ -6775,26 +5985,45 @@
                 <a:ea typeface="+mj-ea"/>
                 <a:cs typeface="+mj-cs"/>
               </a:rPr>
-              <a:t>Number of Tweets per day </a:t>
+              <a:t>Best Fit Model – </a:t>
+            </a:r>
+            <a:br>
+              <a:rPr lang="en-US" sz="1800" kern="1200">
+                <a:solidFill>
+                  <a:srgbClr val="FFFFFF"/>
+                </a:solidFill>
+                <a:latin typeface="+mj-lt"/>
+                <a:ea typeface="+mj-ea"/>
+                <a:cs typeface="+mj-cs"/>
+              </a:rPr>
+            </a:br>
+            <a:r>
+              <a:rPr lang="en-US" sz="1800" kern="1200">
+                <a:solidFill>
+                  <a:srgbClr val="FFFFFF"/>
+                </a:solidFill>
+                <a:latin typeface="+mj-lt"/>
+                <a:ea typeface="+mj-ea"/>
+                <a:cs typeface="+mj-cs"/>
+              </a:rPr>
+              <a:t>SVM on CTA Tweets </a:t>
             </a:r>
           </a:p>
         </p:txBody>
       </p:sp>
       <p:pic>
         <p:nvPicPr>
-          <p:cNvPr id="9" name="Content Placeholder 8" descr="A screenshot of a cell phone&#10;&#10;Description automatically generated">
-            <a:extLst>
-              <a:ext uri="{FF2B5EF4-FFF2-40B4-BE49-F238E27FC236}">
-                <a16:creationId xmlns:a16="http://schemas.microsoft.com/office/drawing/2014/main" id="{A6F29EEF-75A4-EB4C-B4FA-A3DBC6FC24BA}"/>
+          <p:cNvPr id="3" name="Picture 2">
+            <a:extLst>
+              <a:ext uri="{FF2B5EF4-FFF2-40B4-BE49-F238E27FC236}">
+                <a16:creationId xmlns:a16="http://schemas.microsoft.com/office/drawing/2014/main" id="{C43903E1-B639-48E0-AC86-D7A308542A87}"/>
               </a:ext>
             </a:extLst>
           </p:cNvPr>
           <p:cNvPicPr>
-            <a:picLocks noGrp="1" noChangeAspect="1"/>
+            <a:picLocks noChangeAspect="1"/>
           </p:cNvPicPr>
-          <p:nvPr>
-            <p:ph idx="1"/>
-          </p:nvPr>
+          <p:nvPr/>
         </p:nvPicPr>
         <p:blipFill>
           <a:blip r:embed="rId2"/>
@@ -6804,18 +6033,102 @@
         </p:blipFill>
         <p:spPr>
           <a:xfrm>
-            <a:off x="3541234" y="1270846"/>
-            <a:ext cx="7685566" cy="4611339"/>
+            <a:off x="1239068" y="307731"/>
+            <a:ext cx="3617861" cy="3997637"/>
           </a:xfrm>
           <a:prstGeom prst="rect">
             <a:avLst/>
           </a:prstGeom>
         </p:spPr>
       </p:pic>
+      <p:pic>
+        <p:nvPicPr>
+          <p:cNvPr id="5" name="Content Placeholder 4" descr="A screenshot of a cell phone&#10;&#10;Description automatically generated">
+            <a:extLst>
+              <a:ext uri="{FF2B5EF4-FFF2-40B4-BE49-F238E27FC236}">
+                <a16:creationId xmlns:a16="http://schemas.microsoft.com/office/drawing/2014/main" id="{ACCED6EF-70EC-8840-977F-B498EE6A23F1}"/>
+              </a:ext>
+            </a:extLst>
+          </p:cNvPr>
+          <p:cNvPicPr>
+            <a:picLocks noGrp="1" noChangeAspect="1"/>
+          </p:cNvPicPr>
+          <p:nvPr>
+            <p:ph idx="1"/>
+          </p:nvPr>
+        </p:nvPicPr>
+        <p:blipFill>
+          <a:blip r:embed="rId3"/>
+          <a:stretch>
+            <a:fillRect/>
+          </a:stretch>
+        </p:blipFill>
+        <p:spPr>
+          <a:xfrm>
+            <a:off x="6416043" y="487911"/>
+            <a:ext cx="5455917" cy="3637277"/>
+          </a:xfrm>
+          <a:prstGeom prst="rect">
+            <a:avLst/>
+          </a:prstGeom>
+        </p:spPr>
+      </p:pic>
+      <p:cxnSp>
+        <p:nvCxnSpPr>
+          <p:cNvPr id="31" name="Straight Connector 30">
+            <a:extLst>
+              <a:ext uri="{FF2B5EF4-FFF2-40B4-BE49-F238E27FC236}">
+                <a16:creationId xmlns:a16="http://schemas.microsoft.com/office/drawing/2014/main" id="{7E7C77BC-7138-40B1-A15B-20F57A494629}"/>
+              </a:ext>
+              <a:ext uri="{C183D7F6-B498-43B3-948B-1728B52AA6E4}">
+                <adec:decorative xmlns:adec="http://schemas.microsoft.com/office/drawing/2017/decorative" val="1"/>
+              </a:ext>
+            </a:extLst>
+          </p:cNvPr>
+          <p:cNvCxnSpPr>
+            <a:cxnSpLocks noGrp="1" noRot="1" noChangeAspect="1" noMove="1" noResize="1" noEditPoints="1" noAdjustHandles="1" noChangeArrowheads="1" noChangeShapeType="1"/>
+          </p:cNvCxnSpPr>
+          <p:nvPr>
+            <p:extLst>
+              <p:ext uri="{386F3935-93C4-4BCD-93E2-E3B085C9AB24}">
+                <p16:designElem xmlns:p16="http://schemas.microsoft.com/office/powerpoint/2015/main" val="1"/>
+              </p:ext>
+            </p:extLst>
+          </p:nvPr>
+        </p:nvCxnSpPr>
+        <p:spPr>
+          <a:xfrm>
+            <a:off x="2209800" y="5738691"/>
+            <a:ext cx="7772400" cy="0"/>
+          </a:xfrm>
+          <a:prstGeom prst="line">
+            <a:avLst/>
+          </a:prstGeom>
+          <a:ln w="22225">
+            <a:solidFill>
+              <a:srgbClr val="D9D9D9"/>
+            </a:solidFill>
+          </a:ln>
+        </p:spPr>
+        <p:style>
+          <a:lnRef idx="1">
+            <a:schemeClr val="accent1"/>
+          </a:lnRef>
+          <a:fillRef idx="0">
+            <a:schemeClr val="accent1"/>
+          </a:fillRef>
+          <a:effectRef idx="0">
+            <a:schemeClr val="accent1"/>
+          </a:effectRef>
+          <a:fontRef idx="minor">
+            <a:schemeClr val="tx1"/>
+          </a:fontRef>
+        </p:style>
+      </p:cxnSp>
     </p:spTree>
     <p:extLst>
       <p:ext uri="{BB962C8B-B14F-4D97-AF65-F5344CB8AC3E}">
-        <p14:creationId xmlns:p14="http://schemas.microsoft.com/office/powerpoint/2010/main" val="3663407867"/>
+        <p14:creationId xmlns:p14="http://schemas.microsoft.com/office/powerpoint/2010/main" val="2582759434"/>
       </p:ext>
     </p:extLst>
   </p:cSld>
@@ -7835,41 +7148,41 @@
         </p:spPr>
         <p:txBody>
           <a:bodyPr anchor="t">
-            <a:normAutofit fontScale="85000" lnSpcReduction="20000"/>
+            <a:normAutofit fontScale="77500" lnSpcReduction="20000"/>
           </a:bodyPr>
           <a:lstStyle/>
           <a:p>
             <a:pPr lvl="0"/>
             <a:r>
-              <a:rPr lang="en-US" sz="2000" dirty="0"/>
+              <a:rPr lang="en-US" sz="2100" dirty="0"/>
               <a:t>Purpose/Rational</a:t>
             </a:r>
           </a:p>
           <a:p>
             <a:pPr lvl="0"/>
             <a:r>
-              <a:rPr lang="en-US" sz="2000" dirty="0"/>
+              <a:rPr lang="en-US" sz="2100" dirty="0"/>
               <a:t>Datasets: Training &amp; Testing Data</a:t>
             </a:r>
           </a:p>
           <a:p>
             <a:pPr lvl="0"/>
             <a:r>
-              <a:rPr lang="en-US" sz="2000" dirty="0"/>
+              <a:rPr lang="en-US" sz="2100" dirty="0"/>
               <a:t>Data Cleaning Steps</a:t>
             </a:r>
           </a:p>
           <a:p>
             <a:pPr lvl="0"/>
             <a:r>
-              <a:rPr lang="en-US" sz="2000" dirty="0"/>
+              <a:rPr lang="en-US" sz="2100" dirty="0"/>
               <a:t>Building Models</a:t>
             </a:r>
           </a:p>
           <a:p>
             <a:pPr lvl="1"/>
             <a:r>
-              <a:rPr lang="en-US" sz="2000" dirty="0"/>
+              <a:rPr lang="en-US" sz="2100" dirty="0"/>
               <a:t>Bayesian</a:t>
             </a:r>
           </a:p>
@@ -7897,31 +7210,30 @@
           <a:p>
             <a:pPr lvl="1"/>
             <a:r>
-              <a:rPr lang="en-US" sz="2000" dirty="0"/>
+              <a:rPr lang="en-US" sz="2100" dirty="0"/>
               <a:t>Decision Tree</a:t>
             </a:r>
           </a:p>
           <a:p>
             <a:pPr lvl="1"/>
             <a:r>
-              <a:rPr lang="en-US" sz="2000" dirty="0"/>
+              <a:rPr lang="en-US" sz="2100" dirty="0"/>
               <a:t>Random Forest</a:t>
             </a:r>
           </a:p>
           <a:p>
             <a:pPr lvl="1"/>
             <a:r>
-              <a:rPr lang="en-US" sz="2000" dirty="0"/>
+              <a:rPr lang="en-US" sz="2100" dirty="0"/>
               <a:t>SVM</a:t>
             </a:r>
           </a:p>
           <a:p>
             <a:pPr lvl="1"/>
             <a:r>
-              <a:rPr lang="en-US" sz="2000" dirty="0"/>
+              <a:rPr lang="en-US" sz="2100" dirty="0"/>
               <a:t>Neural Network</a:t>
             </a:r>
-            <a:endParaRPr lang="en-US" sz="2100" dirty="0"/>
           </a:p>
           <a:p>
             <a:r>
@@ -7932,18 +7244,24 @@
           <a:p>
             <a:r>
               <a:rPr lang="en-US" sz="2100" dirty="0"/>
+              <a:t>CTA Tweets Prediction </a:t>
+            </a:r>
+          </a:p>
+          <a:p>
+            <a:r>
+              <a:rPr lang="en-US" sz="2100" dirty="0"/>
+              <a:t>Tweets per Day</a:t>
+            </a:r>
+          </a:p>
+          <a:p>
+            <a:r>
+              <a:rPr lang="en-US" sz="2100" dirty="0"/>
               <a:t>Best Fit Model – CTA Tweets</a:t>
             </a:r>
           </a:p>
           <a:p>
             <a:r>
-              <a:rPr lang="en-US" sz="2000" dirty="0"/>
-              <a:t>Tweets per Day</a:t>
-            </a:r>
-          </a:p>
-          <a:p>
-            <a:r>
-              <a:rPr lang="en-US" sz="2000" dirty="0"/>
+              <a:rPr lang="en-US" sz="2100" dirty="0"/>
               <a:t>Sentiment Analysis</a:t>
             </a:r>
           </a:p>
@@ -9795,6 +9113,14 @@
 <file path=ppt/slides/slide9.xml><?xml version="1.0" encoding="utf-8"?>
 <p:sld xmlns:a="http://schemas.openxmlformats.org/drawingml/2006/main" xmlns:r="http://schemas.openxmlformats.org/officeDocument/2006/relationships" xmlns:p="http://schemas.openxmlformats.org/presentationml/2006/main">
   <p:cSld>
+    <p:bg>
+      <p:bgPr>
+        <a:solidFill>
+          <a:schemeClr val="bg1"/>
+        </a:solidFill>
+        <a:effectLst/>
+      </p:bgPr>
+    </p:bg>
     <p:spTree>
       <p:nvGrpSpPr>
         <p:cNvPr id="1" name=""/>
@@ -9811,24 +9137,150 @@
       </p:grpSpPr>
       <p:sp>
         <p:nvSpPr>
-          <p:cNvPr id="2" name="Title 1">
-            <a:extLst>
-              <a:ext uri="{FF2B5EF4-FFF2-40B4-BE49-F238E27FC236}">
-                <a16:creationId xmlns:a16="http://schemas.microsoft.com/office/drawing/2014/main" id="{AC1FB18A-6722-D340-9064-C826643C64B4}"/>
-              </a:ext>
-            </a:extLst>
-          </p:cNvPr>
-          <p:cNvSpPr>
-            <a:spLocks noGrp="1"/>
-          </p:cNvSpPr>
-          <p:nvPr>
-            <p:ph type="title"/>
+          <p:cNvPr id="16" name="Rectangle 15">
+            <a:extLst>
+              <a:ext uri="{FF2B5EF4-FFF2-40B4-BE49-F238E27FC236}">
+                <a16:creationId xmlns:a16="http://schemas.microsoft.com/office/drawing/2014/main" id="{6753252F-4873-4F63-801D-CC719279A7D5}"/>
+              </a:ext>
+              <a:ext uri="{C183D7F6-B498-43B3-948B-1728B52AA6E4}">
+                <adec:decorative xmlns:adec="http://schemas.microsoft.com/office/drawing/2017/decorative" val="1"/>
+              </a:ext>
+            </a:extLst>
+          </p:cNvPr>
+          <p:cNvSpPr>
+            <a:spLocks noGrp="1" noRot="1" noChangeAspect="1" noMove="1" noResize="1" noEditPoints="1" noAdjustHandles="1" noChangeArrowheads="1" noChangeShapeType="1" noTextEdit="1"/>
+          </p:cNvSpPr>
+          <p:nvPr>
+            <p:extLst>
+              <p:ext uri="{386F3935-93C4-4BCD-93E2-E3B085C9AB24}">
+                <p16:designElem xmlns:p16="http://schemas.microsoft.com/office/powerpoint/2015/main" val="1"/>
+              </p:ext>
+            </p:extLst>
           </p:nvPr>
         </p:nvSpPr>
         <p:spPr>
           <a:xfrm>
-            <a:off x="838200" y="2057400"/>
-            <a:ext cx="2743200" cy="2743200"/>
+            <a:off x="0" y="0"/>
+            <a:ext cx="12192000" cy="6858000"/>
+          </a:xfrm>
+          <a:prstGeom prst="rect">
+            <a:avLst/>
+          </a:prstGeom>
+          <a:solidFill>
+            <a:srgbClr val="FFFFFF"/>
+          </a:solidFill>
+          <a:ln>
+            <a:noFill/>
+          </a:ln>
+        </p:spPr>
+        <p:style>
+          <a:lnRef idx="2">
+            <a:schemeClr val="accent1">
+              <a:shade val="50000"/>
+            </a:schemeClr>
+          </a:lnRef>
+          <a:fillRef idx="1">
+            <a:schemeClr val="accent1"/>
+          </a:fillRef>
+          <a:effectRef idx="0">
+            <a:schemeClr val="accent1"/>
+          </a:effectRef>
+          <a:fontRef idx="minor">
+            <a:schemeClr val="lt1"/>
+          </a:fontRef>
+        </p:style>
+        <p:txBody>
+          <a:bodyPr rtlCol="0" anchor="ctr"/>
+          <a:lstStyle/>
+          <a:p>
+            <a:pPr algn="ctr"/>
+            <a:endParaRPr lang="en-US"/>
+          </a:p>
+        </p:txBody>
+      </p:sp>
+      <p:sp>
+        <p:nvSpPr>
+          <p:cNvPr id="18" name="Rectangle 17">
+            <a:extLst>
+              <a:ext uri="{FF2B5EF4-FFF2-40B4-BE49-F238E27FC236}">
+                <a16:creationId xmlns:a16="http://schemas.microsoft.com/office/drawing/2014/main" id="{047C8CCB-F95D-4249-92DD-651249D3535A}"/>
+              </a:ext>
+              <a:ext uri="{C183D7F6-B498-43B3-948B-1728B52AA6E4}">
+                <adec:decorative xmlns:adec="http://schemas.microsoft.com/office/drawing/2017/decorative" val="1"/>
+              </a:ext>
+            </a:extLst>
+          </p:cNvPr>
+          <p:cNvSpPr>
+            <a:spLocks noGrp="1" noRot="1" noChangeAspect="1" noMove="1" noResize="1" noEditPoints="1" noAdjustHandles="1" noChangeArrowheads="1" noChangeShapeType="1" noTextEdit="1"/>
+          </p:cNvSpPr>
+          <p:nvPr>
+            <p:extLst>
+              <p:ext uri="{386F3935-93C4-4BCD-93E2-E3B085C9AB24}">
+                <p16:designElem xmlns:p16="http://schemas.microsoft.com/office/powerpoint/2015/main" val="1"/>
+              </p:ext>
+            </p:extLst>
+          </p:nvPr>
+        </p:nvSpPr>
+        <p:spPr>
+          <a:xfrm>
+            <a:off x="0" y="0"/>
+            <a:ext cx="2013557" cy="6858000"/>
+          </a:xfrm>
+          <a:prstGeom prst="rect">
+            <a:avLst/>
+          </a:prstGeom>
+          <a:solidFill>
+            <a:srgbClr val="46525C"/>
+          </a:solidFill>
+          <a:ln>
+            <a:noFill/>
+          </a:ln>
+        </p:spPr>
+        <p:style>
+          <a:lnRef idx="2">
+            <a:schemeClr val="accent1">
+              <a:shade val="50000"/>
+            </a:schemeClr>
+          </a:lnRef>
+          <a:fillRef idx="1">
+            <a:schemeClr val="accent1"/>
+          </a:fillRef>
+          <a:effectRef idx="0">
+            <a:schemeClr val="accent1"/>
+          </a:effectRef>
+          <a:fontRef idx="minor">
+            <a:schemeClr val="lt1"/>
+          </a:fontRef>
+        </p:style>
+        <p:txBody>
+          <a:bodyPr rtlCol="0" anchor="ctr"/>
+          <a:lstStyle/>
+          <a:p>
+            <a:pPr algn="ctr"/>
+            <a:endParaRPr lang="en-US"/>
+          </a:p>
+        </p:txBody>
+      </p:sp>
+      <p:sp>
+        <p:nvSpPr>
+          <p:cNvPr id="2" name="Title 1">
+            <a:extLst>
+              <a:ext uri="{FF2B5EF4-FFF2-40B4-BE49-F238E27FC236}">
+                <a16:creationId xmlns:a16="http://schemas.microsoft.com/office/drawing/2014/main" id="{F3C96B18-DCA1-5242-A1C5-7601908641C0}"/>
+              </a:ext>
+            </a:extLst>
+          </p:cNvPr>
+          <p:cNvSpPr>
+            <a:spLocks noGrp="1"/>
+          </p:cNvSpPr>
+          <p:nvPr>
+            <p:ph type="title"/>
+          </p:nvPr>
+        </p:nvSpPr>
+        <p:spPr>
+          <a:xfrm>
+            <a:off x="640080" y="2074363"/>
+            <a:ext cx="2752354" cy="2709275"/>
           </a:xfrm>
           <a:prstGeom prst="ellipse">
             <a:avLst/>
@@ -9843,77 +9295,59 @@
           </a:ln>
         </p:spPr>
         <p:txBody>
-          <a:bodyPr anchor="ctr">
+          <a:bodyPr vert="horz" lIns="91440" tIns="45720" rIns="91440" bIns="45720" rtlCol="0" anchor="ctr">
             <a:normAutofit/>
           </a:bodyPr>
           <a:lstStyle/>
           <a:p>
             <a:pPr algn="ctr"/>
             <a:r>
-              <a:rPr lang="en-US" sz="2600" dirty="0">
+              <a:rPr lang="en-US" sz="2600" kern="1200">
                 <a:solidFill>
                   <a:srgbClr val="FFFFFF"/>
                 </a:solidFill>
+                <a:latin typeface="+mj-lt"/>
+                <a:ea typeface="+mj-ea"/>
+                <a:cs typeface="+mj-cs"/>
               </a:rPr>
               <a:t>CTA Tweets Prediction</a:t>
             </a:r>
-          </a:p>
-        </p:txBody>
-      </p:sp>
-      <p:graphicFrame>
-        <p:nvGraphicFramePr>
-          <p:cNvPr id="4" name="Content Placeholder 3">
-            <a:extLst>
-              <a:ext uri="{FF2B5EF4-FFF2-40B4-BE49-F238E27FC236}">
-                <a16:creationId xmlns:a16="http://schemas.microsoft.com/office/drawing/2014/main" id="{2F6CF0FA-9482-49DA-8140-9BFB9D82D894}"/>
-              </a:ext>
-            </a:extLst>
-          </p:cNvPr>
-          <p:cNvGraphicFramePr>
-            <a:graphicFrameLocks noGrp="1"/>
-          </p:cNvGraphicFramePr>
-          <p:nvPr>
-            <p:ph idx="1"/>
-            <p:extLst>
-              <p:ext uri="{D42A27DB-BD31-4B8C-83A1-F6EECF244321}">
-                <p14:modId xmlns:p14="http://schemas.microsoft.com/office/powerpoint/2010/main" val="1236070219"/>
-              </p:ext>
-            </p:extLst>
-          </p:nvPr>
-        </p:nvGraphicFramePr>
-        <p:xfrm>
-          <a:off x="4038600" y="1166648"/>
-          <a:ext cx="6897255" cy="4524706"/>
-        </p:xfrm>
-        <a:graphic>
-          <a:graphicData uri="http://schemas.openxmlformats.org/drawingml/2006/chart">
-            <c:chart xmlns:c="http://schemas.openxmlformats.org/drawingml/2006/chart" xmlns:r="http://schemas.openxmlformats.org/officeDocument/2006/relationships" r:id="rId2"/>
-          </a:graphicData>
-        </a:graphic>
-      </p:graphicFrame>
+            <a:endParaRPr lang="en-US" sz="2600" kern="1200" dirty="0">
+              <a:solidFill>
+                <a:srgbClr val="FFFFFF"/>
+              </a:solidFill>
+              <a:latin typeface="+mj-lt"/>
+              <a:ea typeface="+mj-ea"/>
+              <a:cs typeface="+mj-cs"/>
+            </a:endParaRPr>
+          </a:p>
+        </p:txBody>
+      </p:sp>
       <p:pic>
         <p:nvPicPr>
-          <p:cNvPr id="6" name="Picture 5">
-            <a:extLst>
-              <a:ext uri="{FF2B5EF4-FFF2-40B4-BE49-F238E27FC236}">
-                <a16:creationId xmlns:a16="http://schemas.microsoft.com/office/drawing/2014/main" id="{22183BC2-569F-43D6-AB38-56EE1B358105}"/>
+          <p:cNvPr id="4" name="Content Placeholder 3">
+            <a:extLst>
+              <a:ext uri="{FF2B5EF4-FFF2-40B4-BE49-F238E27FC236}">
+                <a16:creationId xmlns:a16="http://schemas.microsoft.com/office/drawing/2014/main" id="{338D5369-84C9-2B4E-99C4-09B94A94153E}"/>
               </a:ext>
             </a:extLst>
           </p:cNvPr>
           <p:cNvPicPr>
-            <a:picLocks noChangeAspect="1"/>
+            <a:picLocks noGrp="1" noChangeAspect="1"/>
           </p:cNvPicPr>
-          <p:nvPr/>
+          <p:nvPr>
+            <p:ph idx="1"/>
+          </p:nvPr>
         </p:nvPicPr>
         <p:blipFill rotWithShape="1">
-          <a:blip r:embed="rId3"/>
+          <a:blip r:embed="rId2"/>
           <a:srcRect l="9107" t="3644"/>
           <a:stretch/>
         </p:blipFill>
         <p:spPr>
           <a:xfrm>
-            <a:off x="4038600" y="953100"/>
-            <a:ext cx="6987997" cy="4782127"/>
+            <a:off x="3639671" y="697006"/>
+            <a:ext cx="8000847" cy="5470712"/>
           </a:xfrm>
           <a:prstGeom prst="rect">
             <a:avLst/>
@@ -9923,7 +9357,7 @@
     </p:spTree>
     <p:extLst>
       <p:ext uri="{BB962C8B-B14F-4D97-AF65-F5344CB8AC3E}">
-        <p14:creationId xmlns:p14="http://schemas.microsoft.com/office/powerpoint/2010/main" val="2205457844"/>
+        <p14:creationId xmlns:p14="http://schemas.microsoft.com/office/powerpoint/2010/main" val="1756487862"/>
       </p:ext>
     </p:extLst>
   </p:cSld>

--- a/CTA_Tweets_Sentiment_Analysis.pptx
+++ b/CTA_Tweets_Sentiment_Analysis.pptx
@@ -1404,6 +1404,1064 @@
 </p:notesMaster>
 </file>
 
+<file path=ppt/notesSlides/notesSlide1.xml><?xml version="1.0" encoding="utf-8"?>
+<p:notes xmlns:a="http://schemas.openxmlformats.org/drawingml/2006/main" xmlns:r="http://schemas.openxmlformats.org/officeDocument/2006/relationships" xmlns:p="http://schemas.openxmlformats.org/presentationml/2006/main">
+  <p:cSld>
+    <p:spTree>
+      <p:nvGrpSpPr>
+        <p:cNvPr id="1" name=""/>
+        <p:cNvGrpSpPr/>
+        <p:nvPr/>
+      </p:nvGrpSpPr>
+      <p:grpSpPr>
+        <a:xfrm>
+          <a:off x="0" y="0"/>
+          <a:ext cx="0" cy="0"/>
+          <a:chOff x="0" y="0"/>
+          <a:chExt cx="0" cy="0"/>
+        </a:xfrm>
+      </p:grpSpPr>
+      <p:sp>
+        <p:nvSpPr>
+          <p:cNvPr id="2" name="Slide Image Placeholder 1"/>
+          <p:cNvSpPr>
+            <a:spLocks noGrp="1" noRot="1" noChangeAspect="1"/>
+          </p:cNvSpPr>
+          <p:nvPr>
+            <p:ph type="sldImg"/>
+          </p:nvPr>
+        </p:nvSpPr>
+        <p:spPr/>
+      </p:sp>
+      <p:sp>
+        <p:nvSpPr>
+          <p:cNvPr id="3" name="Notes Placeholder 2"/>
+          <p:cNvSpPr>
+            <a:spLocks noGrp="1"/>
+          </p:cNvSpPr>
+          <p:nvPr>
+            <p:ph type="body" idx="1"/>
+          </p:nvPr>
+        </p:nvSpPr>
+        <p:spPr/>
+        <p:txBody>
+          <a:bodyPr/>
+          <a:lstStyle/>
+          <a:p>
+            <a:r>
+              <a:rPr lang="en-US" dirty="0"/>
+              <a:t>KL</a:t>
+            </a:r>
+          </a:p>
+        </p:txBody>
+      </p:sp>
+      <p:sp>
+        <p:nvSpPr>
+          <p:cNvPr id="4" name="Slide Number Placeholder 3"/>
+          <p:cNvSpPr>
+            <a:spLocks noGrp="1"/>
+          </p:cNvSpPr>
+          <p:nvPr>
+            <p:ph type="sldNum" sz="quarter" idx="5"/>
+          </p:nvPr>
+        </p:nvSpPr>
+        <p:spPr/>
+        <p:txBody>
+          <a:bodyPr/>
+          <a:lstStyle/>
+          <a:p>
+            <a:fld id="{33440139-8F54-8E41-A393-7A1F753AC871}" type="slidenum">
+              <a:rPr lang="en-US" smtClean="0"/>
+              <a:t>1</a:t>
+            </a:fld>
+            <a:endParaRPr lang="en-US"/>
+          </a:p>
+        </p:txBody>
+      </p:sp>
+    </p:spTree>
+    <p:extLst>
+      <p:ext uri="{BB962C8B-B14F-4D97-AF65-F5344CB8AC3E}">
+        <p14:creationId xmlns:p14="http://schemas.microsoft.com/office/powerpoint/2010/main" val="2028477147"/>
+      </p:ext>
+    </p:extLst>
+  </p:cSld>
+  <p:clrMapOvr>
+    <a:masterClrMapping/>
+  </p:clrMapOvr>
+</p:notes>
+</file>
+
+<file path=ppt/notesSlides/notesSlide10.xml><?xml version="1.0" encoding="utf-8"?>
+<p:notes xmlns:a="http://schemas.openxmlformats.org/drawingml/2006/main" xmlns:r="http://schemas.openxmlformats.org/officeDocument/2006/relationships" xmlns:p="http://schemas.openxmlformats.org/presentationml/2006/main">
+  <p:cSld>
+    <p:spTree>
+      <p:nvGrpSpPr>
+        <p:cNvPr id="1" name=""/>
+        <p:cNvGrpSpPr/>
+        <p:nvPr/>
+      </p:nvGrpSpPr>
+      <p:grpSpPr>
+        <a:xfrm>
+          <a:off x="0" y="0"/>
+          <a:ext cx="0" cy="0"/>
+          <a:chOff x="0" y="0"/>
+          <a:chExt cx="0" cy="0"/>
+        </a:xfrm>
+      </p:grpSpPr>
+      <p:sp>
+        <p:nvSpPr>
+          <p:cNvPr id="2" name="Slide Image Placeholder 1"/>
+          <p:cNvSpPr>
+            <a:spLocks noGrp="1" noRot="1" noChangeAspect="1"/>
+          </p:cNvSpPr>
+          <p:nvPr>
+            <p:ph type="sldImg"/>
+          </p:nvPr>
+        </p:nvSpPr>
+        <p:spPr/>
+      </p:sp>
+      <p:sp>
+        <p:nvSpPr>
+          <p:cNvPr id="3" name="Notes Placeholder 2"/>
+          <p:cNvSpPr>
+            <a:spLocks noGrp="1"/>
+          </p:cNvSpPr>
+          <p:nvPr>
+            <p:ph type="body" idx="1"/>
+          </p:nvPr>
+        </p:nvSpPr>
+        <p:spPr/>
+        <p:txBody>
+          <a:bodyPr/>
+          <a:lstStyle/>
+          <a:p>
+            <a:r>
+              <a:rPr lang="en-US" dirty="0"/>
+              <a:t>Amy</a:t>
+            </a:r>
+          </a:p>
+          <a:p>
+            <a:r>
+              <a:rPr lang="en-US" dirty="0"/>
+              <a:t>-  on 17</a:t>
+            </a:r>
+            <a:r>
+              <a:rPr lang="en-US" baseline="30000" dirty="0"/>
+              <a:t>th</a:t>
+            </a:r>
+            <a:r>
+              <a:rPr lang="en-US" dirty="0"/>
+              <a:t>, red line delay due to man jumping onto the track</a:t>
+            </a:r>
+          </a:p>
+        </p:txBody>
+      </p:sp>
+      <p:sp>
+        <p:nvSpPr>
+          <p:cNvPr id="4" name="Slide Number Placeholder 3"/>
+          <p:cNvSpPr>
+            <a:spLocks noGrp="1"/>
+          </p:cNvSpPr>
+          <p:nvPr>
+            <p:ph type="sldNum" sz="quarter" idx="5"/>
+          </p:nvPr>
+        </p:nvSpPr>
+        <p:spPr/>
+        <p:txBody>
+          <a:bodyPr/>
+          <a:lstStyle/>
+          <a:p>
+            <a:fld id="{33440139-8F54-8E41-A393-7A1F753AC871}" type="slidenum">
+              <a:rPr lang="en-US" smtClean="0"/>
+              <a:t>10</a:t>
+            </a:fld>
+            <a:endParaRPr lang="en-US"/>
+          </a:p>
+        </p:txBody>
+      </p:sp>
+    </p:spTree>
+    <p:extLst>
+      <p:ext uri="{BB962C8B-B14F-4D97-AF65-F5344CB8AC3E}">
+        <p14:creationId xmlns:p14="http://schemas.microsoft.com/office/powerpoint/2010/main" val="3925485596"/>
+      </p:ext>
+    </p:extLst>
+  </p:cSld>
+  <p:clrMapOvr>
+    <a:masterClrMapping/>
+  </p:clrMapOvr>
+</p:notes>
+</file>
+
+<file path=ppt/notesSlides/notesSlide11.xml><?xml version="1.0" encoding="utf-8"?>
+<p:notes xmlns:a="http://schemas.openxmlformats.org/drawingml/2006/main" xmlns:r="http://schemas.openxmlformats.org/officeDocument/2006/relationships" xmlns:p="http://schemas.openxmlformats.org/presentationml/2006/main">
+  <p:cSld>
+    <p:spTree>
+      <p:nvGrpSpPr>
+        <p:cNvPr id="1" name=""/>
+        <p:cNvGrpSpPr/>
+        <p:nvPr/>
+      </p:nvGrpSpPr>
+      <p:grpSpPr>
+        <a:xfrm>
+          <a:off x="0" y="0"/>
+          <a:ext cx="0" cy="0"/>
+          <a:chOff x="0" y="0"/>
+          <a:chExt cx="0" cy="0"/>
+        </a:xfrm>
+      </p:grpSpPr>
+      <p:sp>
+        <p:nvSpPr>
+          <p:cNvPr id="2" name="Slide Image Placeholder 1"/>
+          <p:cNvSpPr>
+            <a:spLocks noGrp="1" noRot="1" noChangeAspect="1"/>
+          </p:cNvSpPr>
+          <p:nvPr>
+            <p:ph type="sldImg"/>
+          </p:nvPr>
+        </p:nvSpPr>
+        <p:spPr/>
+      </p:sp>
+      <p:sp>
+        <p:nvSpPr>
+          <p:cNvPr id="3" name="Notes Placeholder 2"/>
+          <p:cNvSpPr>
+            <a:spLocks noGrp="1"/>
+          </p:cNvSpPr>
+          <p:nvPr>
+            <p:ph type="body" idx="1"/>
+          </p:nvPr>
+        </p:nvSpPr>
+        <p:spPr/>
+        <p:txBody>
+          <a:bodyPr/>
+          <a:lstStyle/>
+          <a:p>
+            <a:r>
+              <a:rPr lang="en-US" dirty="0"/>
+              <a:t>Garima – people tend to only post negative feedbacks, and a way to track negative things, for future improvement</a:t>
+            </a:r>
+          </a:p>
+        </p:txBody>
+      </p:sp>
+      <p:sp>
+        <p:nvSpPr>
+          <p:cNvPr id="4" name="Slide Number Placeholder 3"/>
+          <p:cNvSpPr>
+            <a:spLocks noGrp="1"/>
+          </p:cNvSpPr>
+          <p:nvPr>
+            <p:ph type="sldNum" sz="quarter" idx="5"/>
+          </p:nvPr>
+        </p:nvSpPr>
+        <p:spPr/>
+        <p:txBody>
+          <a:bodyPr/>
+          <a:lstStyle/>
+          <a:p>
+            <a:fld id="{33440139-8F54-8E41-A393-7A1F753AC871}" type="slidenum">
+              <a:rPr lang="en-US" smtClean="0"/>
+              <a:t>11</a:t>
+            </a:fld>
+            <a:endParaRPr lang="en-US"/>
+          </a:p>
+        </p:txBody>
+      </p:sp>
+    </p:spTree>
+    <p:extLst>
+      <p:ext uri="{BB962C8B-B14F-4D97-AF65-F5344CB8AC3E}">
+        <p14:creationId xmlns:p14="http://schemas.microsoft.com/office/powerpoint/2010/main" val="3201907149"/>
+      </p:ext>
+    </p:extLst>
+  </p:cSld>
+  <p:clrMapOvr>
+    <a:masterClrMapping/>
+  </p:clrMapOvr>
+</p:notes>
+</file>
+
+<file path=ppt/notesSlides/notesSlide12.xml><?xml version="1.0" encoding="utf-8"?>
+<p:notes xmlns:a="http://schemas.openxmlformats.org/drawingml/2006/main" xmlns:r="http://schemas.openxmlformats.org/officeDocument/2006/relationships" xmlns:p="http://schemas.openxmlformats.org/presentationml/2006/main">
+  <p:cSld>
+    <p:spTree>
+      <p:nvGrpSpPr>
+        <p:cNvPr id="1" name=""/>
+        <p:cNvGrpSpPr/>
+        <p:nvPr/>
+      </p:nvGrpSpPr>
+      <p:grpSpPr>
+        <a:xfrm>
+          <a:off x="0" y="0"/>
+          <a:ext cx="0" cy="0"/>
+          <a:chOff x="0" y="0"/>
+          <a:chExt cx="0" cy="0"/>
+        </a:xfrm>
+      </p:grpSpPr>
+      <p:sp>
+        <p:nvSpPr>
+          <p:cNvPr id="2" name="Slide Image Placeholder 1"/>
+          <p:cNvSpPr>
+            <a:spLocks noGrp="1" noRot="1" noChangeAspect="1"/>
+          </p:cNvSpPr>
+          <p:nvPr>
+            <p:ph type="sldImg"/>
+          </p:nvPr>
+        </p:nvSpPr>
+        <p:spPr/>
+      </p:sp>
+      <p:sp>
+        <p:nvSpPr>
+          <p:cNvPr id="3" name="Notes Placeholder 2"/>
+          <p:cNvSpPr>
+            <a:spLocks noGrp="1"/>
+          </p:cNvSpPr>
+          <p:nvPr>
+            <p:ph type="body" idx="1"/>
+          </p:nvPr>
+        </p:nvSpPr>
+        <p:spPr/>
+        <p:txBody>
+          <a:bodyPr/>
+          <a:lstStyle/>
+          <a:p>
+            <a:r>
+              <a:rPr lang="en-US" dirty="0"/>
+              <a:t>Garima</a:t>
+            </a:r>
+          </a:p>
+        </p:txBody>
+      </p:sp>
+      <p:sp>
+        <p:nvSpPr>
+          <p:cNvPr id="4" name="Slide Number Placeholder 3"/>
+          <p:cNvSpPr>
+            <a:spLocks noGrp="1"/>
+          </p:cNvSpPr>
+          <p:nvPr>
+            <p:ph type="sldNum" sz="quarter" idx="5"/>
+          </p:nvPr>
+        </p:nvSpPr>
+        <p:spPr/>
+        <p:txBody>
+          <a:bodyPr/>
+          <a:lstStyle/>
+          <a:p>
+            <a:fld id="{33440139-8F54-8E41-A393-7A1F753AC871}" type="slidenum">
+              <a:rPr lang="en-US" smtClean="0"/>
+              <a:t>12</a:t>
+            </a:fld>
+            <a:endParaRPr lang="en-US"/>
+          </a:p>
+        </p:txBody>
+      </p:sp>
+    </p:spTree>
+    <p:extLst>
+      <p:ext uri="{BB962C8B-B14F-4D97-AF65-F5344CB8AC3E}">
+        <p14:creationId xmlns:p14="http://schemas.microsoft.com/office/powerpoint/2010/main" val="291582241"/>
+      </p:ext>
+    </p:extLst>
+  </p:cSld>
+  <p:clrMapOvr>
+    <a:masterClrMapping/>
+  </p:clrMapOvr>
+</p:notes>
+</file>
+
+<file path=ppt/notesSlides/notesSlide2.xml><?xml version="1.0" encoding="utf-8"?>
+<p:notes xmlns:a="http://schemas.openxmlformats.org/drawingml/2006/main" xmlns:r="http://schemas.openxmlformats.org/officeDocument/2006/relationships" xmlns:p="http://schemas.openxmlformats.org/presentationml/2006/main">
+  <p:cSld>
+    <p:spTree>
+      <p:nvGrpSpPr>
+        <p:cNvPr id="1" name=""/>
+        <p:cNvGrpSpPr/>
+        <p:nvPr/>
+      </p:nvGrpSpPr>
+      <p:grpSpPr>
+        <a:xfrm>
+          <a:off x="0" y="0"/>
+          <a:ext cx="0" cy="0"/>
+          <a:chOff x="0" y="0"/>
+          <a:chExt cx="0" cy="0"/>
+        </a:xfrm>
+      </p:grpSpPr>
+      <p:sp>
+        <p:nvSpPr>
+          <p:cNvPr id="2" name="Slide Image Placeholder 1"/>
+          <p:cNvSpPr>
+            <a:spLocks noGrp="1" noRot="1" noChangeAspect="1"/>
+          </p:cNvSpPr>
+          <p:nvPr>
+            <p:ph type="sldImg"/>
+          </p:nvPr>
+        </p:nvSpPr>
+        <p:spPr/>
+      </p:sp>
+      <p:sp>
+        <p:nvSpPr>
+          <p:cNvPr id="3" name="Notes Placeholder 2"/>
+          <p:cNvSpPr>
+            <a:spLocks noGrp="1"/>
+          </p:cNvSpPr>
+          <p:nvPr>
+            <p:ph type="body" idx="1"/>
+          </p:nvPr>
+        </p:nvSpPr>
+        <p:spPr/>
+        <p:txBody>
+          <a:bodyPr/>
+          <a:lstStyle/>
+          <a:p>
+            <a:r>
+              <a:rPr lang="en-US" dirty="0"/>
+              <a:t>KL</a:t>
+            </a:r>
+          </a:p>
+        </p:txBody>
+      </p:sp>
+      <p:sp>
+        <p:nvSpPr>
+          <p:cNvPr id="4" name="Slide Number Placeholder 3"/>
+          <p:cNvSpPr>
+            <a:spLocks noGrp="1"/>
+          </p:cNvSpPr>
+          <p:nvPr>
+            <p:ph type="sldNum" sz="quarter" idx="5"/>
+          </p:nvPr>
+        </p:nvSpPr>
+        <p:spPr/>
+        <p:txBody>
+          <a:bodyPr/>
+          <a:lstStyle/>
+          <a:p>
+            <a:fld id="{33440139-8F54-8E41-A393-7A1F753AC871}" type="slidenum">
+              <a:rPr lang="en-US" smtClean="0"/>
+              <a:t>2</a:t>
+            </a:fld>
+            <a:endParaRPr lang="en-US"/>
+          </a:p>
+        </p:txBody>
+      </p:sp>
+    </p:spTree>
+    <p:extLst>
+      <p:ext uri="{BB962C8B-B14F-4D97-AF65-F5344CB8AC3E}">
+        <p14:creationId xmlns:p14="http://schemas.microsoft.com/office/powerpoint/2010/main" val="2344365533"/>
+      </p:ext>
+    </p:extLst>
+  </p:cSld>
+  <p:clrMapOvr>
+    <a:masterClrMapping/>
+  </p:clrMapOvr>
+</p:notes>
+</file>
+
+<file path=ppt/notesSlides/notesSlide3.xml><?xml version="1.0" encoding="utf-8"?>
+<p:notes xmlns:a="http://schemas.openxmlformats.org/drawingml/2006/main" xmlns:r="http://schemas.openxmlformats.org/officeDocument/2006/relationships" xmlns:p="http://schemas.openxmlformats.org/presentationml/2006/main">
+  <p:cSld>
+    <p:spTree>
+      <p:nvGrpSpPr>
+        <p:cNvPr id="1" name=""/>
+        <p:cNvGrpSpPr/>
+        <p:nvPr/>
+      </p:nvGrpSpPr>
+      <p:grpSpPr>
+        <a:xfrm>
+          <a:off x="0" y="0"/>
+          <a:ext cx="0" cy="0"/>
+          <a:chOff x="0" y="0"/>
+          <a:chExt cx="0" cy="0"/>
+        </a:xfrm>
+      </p:grpSpPr>
+      <p:sp>
+        <p:nvSpPr>
+          <p:cNvPr id="2" name="Slide Image Placeholder 1"/>
+          <p:cNvSpPr>
+            <a:spLocks noGrp="1" noRot="1" noChangeAspect="1"/>
+          </p:cNvSpPr>
+          <p:nvPr>
+            <p:ph type="sldImg"/>
+          </p:nvPr>
+        </p:nvSpPr>
+        <p:spPr/>
+      </p:sp>
+      <p:sp>
+        <p:nvSpPr>
+          <p:cNvPr id="3" name="Notes Placeholder 2"/>
+          <p:cNvSpPr>
+            <a:spLocks noGrp="1"/>
+          </p:cNvSpPr>
+          <p:nvPr>
+            <p:ph type="body" idx="1"/>
+          </p:nvPr>
+        </p:nvSpPr>
+        <p:spPr/>
+        <p:txBody>
+          <a:bodyPr/>
+          <a:lstStyle/>
+          <a:p>
+            <a:r>
+              <a:rPr lang="en-US" dirty="0"/>
+              <a:t>KL</a:t>
+            </a:r>
+          </a:p>
+        </p:txBody>
+      </p:sp>
+      <p:sp>
+        <p:nvSpPr>
+          <p:cNvPr id="4" name="Slide Number Placeholder 3"/>
+          <p:cNvSpPr>
+            <a:spLocks noGrp="1"/>
+          </p:cNvSpPr>
+          <p:nvPr>
+            <p:ph type="sldNum" sz="quarter" idx="5"/>
+          </p:nvPr>
+        </p:nvSpPr>
+        <p:spPr/>
+        <p:txBody>
+          <a:bodyPr/>
+          <a:lstStyle/>
+          <a:p>
+            <a:fld id="{33440139-8F54-8E41-A393-7A1F753AC871}" type="slidenum">
+              <a:rPr lang="en-US" smtClean="0"/>
+              <a:t>3</a:t>
+            </a:fld>
+            <a:endParaRPr lang="en-US"/>
+          </a:p>
+        </p:txBody>
+      </p:sp>
+    </p:spTree>
+    <p:extLst>
+      <p:ext uri="{BB962C8B-B14F-4D97-AF65-F5344CB8AC3E}">
+        <p14:creationId xmlns:p14="http://schemas.microsoft.com/office/powerpoint/2010/main" val="2688426116"/>
+      </p:ext>
+    </p:extLst>
+  </p:cSld>
+  <p:clrMapOvr>
+    <a:masterClrMapping/>
+  </p:clrMapOvr>
+</p:notes>
+</file>
+
+<file path=ppt/notesSlides/notesSlide4.xml><?xml version="1.0" encoding="utf-8"?>
+<p:notes xmlns:a="http://schemas.openxmlformats.org/drawingml/2006/main" xmlns:r="http://schemas.openxmlformats.org/officeDocument/2006/relationships" xmlns:p="http://schemas.openxmlformats.org/presentationml/2006/main">
+  <p:cSld>
+    <p:spTree>
+      <p:nvGrpSpPr>
+        <p:cNvPr id="1" name=""/>
+        <p:cNvGrpSpPr/>
+        <p:nvPr/>
+      </p:nvGrpSpPr>
+      <p:grpSpPr>
+        <a:xfrm>
+          <a:off x="0" y="0"/>
+          <a:ext cx="0" cy="0"/>
+          <a:chOff x="0" y="0"/>
+          <a:chExt cx="0" cy="0"/>
+        </a:xfrm>
+      </p:grpSpPr>
+      <p:sp>
+        <p:nvSpPr>
+          <p:cNvPr id="2" name="Slide Image Placeholder 1"/>
+          <p:cNvSpPr>
+            <a:spLocks noGrp="1" noRot="1" noChangeAspect="1"/>
+          </p:cNvSpPr>
+          <p:nvPr>
+            <p:ph type="sldImg"/>
+          </p:nvPr>
+        </p:nvSpPr>
+        <p:spPr/>
+      </p:sp>
+      <p:sp>
+        <p:nvSpPr>
+          <p:cNvPr id="3" name="Notes Placeholder 2"/>
+          <p:cNvSpPr>
+            <a:spLocks noGrp="1"/>
+          </p:cNvSpPr>
+          <p:nvPr>
+            <p:ph type="body" idx="1"/>
+          </p:nvPr>
+        </p:nvSpPr>
+        <p:spPr/>
+        <p:txBody>
+          <a:bodyPr/>
+          <a:lstStyle/>
+          <a:p>
+            <a:r>
+              <a:rPr lang="en-US" dirty="0"/>
+              <a:t>Gaby</a:t>
+            </a:r>
+          </a:p>
+        </p:txBody>
+      </p:sp>
+      <p:sp>
+        <p:nvSpPr>
+          <p:cNvPr id="4" name="Slide Number Placeholder 3"/>
+          <p:cNvSpPr>
+            <a:spLocks noGrp="1"/>
+          </p:cNvSpPr>
+          <p:nvPr>
+            <p:ph type="sldNum" sz="quarter" idx="5"/>
+          </p:nvPr>
+        </p:nvSpPr>
+        <p:spPr/>
+        <p:txBody>
+          <a:bodyPr/>
+          <a:lstStyle/>
+          <a:p>
+            <a:fld id="{33440139-8F54-8E41-A393-7A1F753AC871}" type="slidenum">
+              <a:rPr lang="en-US" smtClean="0"/>
+              <a:t>4</a:t>
+            </a:fld>
+            <a:endParaRPr lang="en-US"/>
+          </a:p>
+        </p:txBody>
+      </p:sp>
+    </p:spTree>
+    <p:extLst>
+      <p:ext uri="{BB962C8B-B14F-4D97-AF65-F5344CB8AC3E}">
+        <p14:creationId xmlns:p14="http://schemas.microsoft.com/office/powerpoint/2010/main" val="3765723138"/>
+      </p:ext>
+    </p:extLst>
+  </p:cSld>
+  <p:clrMapOvr>
+    <a:masterClrMapping/>
+  </p:clrMapOvr>
+</p:notes>
+</file>
+
+<file path=ppt/notesSlides/notesSlide5.xml><?xml version="1.0" encoding="utf-8"?>
+<p:notes xmlns:a="http://schemas.openxmlformats.org/drawingml/2006/main" xmlns:r="http://schemas.openxmlformats.org/officeDocument/2006/relationships" xmlns:p="http://schemas.openxmlformats.org/presentationml/2006/main">
+  <p:cSld>
+    <p:spTree>
+      <p:nvGrpSpPr>
+        <p:cNvPr id="1" name=""/>
+        <p:cNvGrpSpPr/>
+        <p:nvPr/>
+      </p:nvGrpSpPr>
+      <p:grpSpPr>
+        <a:xfrm>
+          <a:off x="0" y="0"/>
+          <a:ext cx="0" cy="0"/>
+          <a:chOff x="0" y="0"/>
+          <a:chExt cx="0" cy="0"/>
+        </a:xfrm>
+      </p:grpSpPr>
+      <p:sp>
+        <p:nvSpPr>
+          <p:cNvPr id="2" name="Slide Image Placeholder 1"/>
+          <p:cNvSpPr>
+            <a:spLocks noGrp="1" noRot="1" noChangeAspect="1"/>
+          </p:cNvSpPr>
+          <p:nvPr>
+            <p:ph type="sldImg"/>
+          </p:nvPr>
+        </p:nvSpPr>
+        <p:spPr/>
+      </p:sp>
+      <p:sp>
+        <p:nvSpPr>
+          <p:cNvPr id="3" name="Notes Placeholder 2"/>
+          <p:cNvSpPr>
+            <a:spLocks noGrp="1"/>
+          </p:cNvSpPr>
+          <p:nvPr>
+            <p:ph type="body" idx="1"/>
+          </p:nvPr>
+        </p:nvSpPr>
+        <p:spPr/>
+        <p:txBody>
+          <a:bodyPr/>
+          <a:lstStyle/>
+          <a:p>
+            <a:r>
+              <a:rPr lang="en-US" dirty="0"/>
+              <a:t>Amy</a:t>
+            </a:r>
+          </a:p>
+        </p:txBody>
+      </p:sp>
+      <p:sp>
+        <p:nvSpPr>
+          <p:cNvPr id="4" name="Slide Number Placeholder 3"/>
+          <p:cNvSpPr>
+            <a:spLocks noGrp="1"/>
+          </p:cNvSpPr>
+          <p:nvPr>
+            <p:ph type="sldNum" sz="quarter" idx="5"/>
+          </p:nvPr>
+        </p:nvSpPr>
+        <p:spPr/>
+        <p:txBody>
+          <a:bodyPr/>
+          <a:lstStyle/>
+          <a:p>
+            <a:fld id="{33440139-8F54-8E41-A393-7A1F753AC871}" type="slidenum">
+              <a:rPr lang="en-US" smtClean="0"/>
+              <a:t>5</a:t>
+            </a:fld>
+            <a:endParaRPr lang="en-US"/>
+          </a:p>
+        </p:txBody>
+      </p:sp>
+    </p:spTree>
+    <p:extLst>
+      <p:ext uri="{BB962C8B-B14F-4D97-AF65-F5344CB8AC3E}">
+        <p14:creationId xmlns:p14="http://schemas.microsoft.com/office/powerpoint/2010/main" val="3359560932"/>
+      </p:ext>
+    </p:extLst>
+  </p:cSld>
+  <p:clrMapOvr>
+    <a:masterClrMapping/>
+  </p:clrMapOvr>
+</p:notes>
+</file>
+
+<file path=ppt/notesSlides/notesSlide6.xml><?xml version="1.0" encoding="utf-8"?>
+<p:notes xmlns:a="http://schemas.openxmlformats.org/drawingml/2006/main" xmlns:r="http://schemas.openxmlformats.org/officeDocument/2006/relationships" xmlns:p="http://schemas.openxmlformats.org/presentationml/2006/main">
+  <p:cSld>
+    <p:spTree>
+      <p:nvGrpSpPr>
+        <p:cNvPr id="1" name=""/>
+        <p:cNvGrpSpPr/>
+        <p:nvPr/>
+      </p:nvGrpSpPr>
+      <p:grpSpPr>
+        <a:xfrm>
+          <a:off x="0" y="0"/>
+          <a:ext cx="0" cy="0"/>
+          <a:chOff x="0" y="0"/>
+          <a:chExt cx="0" cy="0"/>
+        </a:xfrm>
+      </p:grpSpPr>
+      <p:sp>
+        <p:nvSpPr>
+          <p:cNvPr id="2" name="Slide Image Placeholder 1"/>
+          <p:cNvSpPr>
+            <a:spLocks noGrp="1" noRot="1" noChangeAspect="1"/>
+          </p:cNvSpPr>
+          <p:nvPr>
+            <p:ph type="sldImg"/>
+          </p:nvPr>
+        </p:nvSpPr>
+        <p:spPr/>
+      </p:sp>
+      <p:sp>
+        <p:nvSpPr>
+          <p:cNvPr id="3" name="Notes Placeholder 2"/>
+          <p:cNvSpPr>
+            <a:spLocks noGrp="1"/>
+          </p:cNvSpPr>
+          <p:nvPr>
+            <p:ph type="body" idx="1"/>
+          </p:nvPr>
+        </p:nvSpPr>
+        <p:spPr/>
+        <p:txBody>
+          <a:bodyPr/>
+          <a:lstStyle/>
+          <a:p>
+            <a:r>
+              <a:rPr lang="en-US" dirty="0"/>
+              <a:t>Amy</a:t>
+            </a:r>
+          </a:p>
+        </p:txBody>
+      </p:sp>
+      <p:sp>
+        <p:nvSpPr>
+          <p:cNvPr id="4" name="Slide Number Placeholder 3"/>
+          <p:cNvSpPr>
+            <a:spLocks noGrp="1"/>
+          </p:cNvSpPr>
+          <p:nvPr>
+            <p:ph type="sldNum" sz="quarter" idx="5"/>
+          </p:nvPr>
+        </p:nvSpPr>
+        <p:spPr/>
+        <p:txBody>
+          <a:bodyPr/>
+          <a:lstStyle/>
+          <a:p>
+            <a:fld id="{33440139-8F54-8E41-A393-7A1F753AC871}" type="slidenum">
+              <a:rPr lang="en-US" smtClean="0"/>
+              <a:t>6</a:t>
+            </a:fld>
+            <a:endParaRPr lang="en-US"/>
+          </a:p>
+        </p:txBody>
+      </p:sp>
+    </p:spTree>
+    <p:extLst>
+      <p:ext uri="{BB962C8B-B14F-4D97-AF65-F5344CB8AC3E}">
+        <p14:creationId xmlns:p14="http://schemas.microsoft.com/office/powerpoint/2010/main" val="816065197"/>
+      </p:ext>
+    </p:extLst>
+  </p:cSld>
+  <p:clrMapOvr>
+    <a:masterClrMapping/>
+  </p:clrMapOvr>
+</p:notes>
+</file>
+
+<file path=ppt/notesSlides/notesSlide7.xml><?xml version="1.0" encoding="utf-8"?>
+<p:notes xmlns:a="http://schemas.openxmlformats.org/drawingml/2006/main" xmlns:r="http://schemas.openxmlformats.org/officeDocument/2006/relationships" xmlns:p="http://schemas.openxmlformats.org/presentationml/2006/main">
+  <p:cSld>
+    <p:spTree>
+      <p:nvGrpSpPr>
+        <p:cNvPr id="1" name=""/>
+        <p:cNvGrpSpPr/>
+        <p:nvPr/>
+      </p:nvGrpSpPr>
+      <p:grpSpPr>
+        <a:xfrm>
+          <a:off x="0" y="0"/>
+          <a:ext cx="0" cy="0"/>
+          <a:chOff x="0" y="0"/>
+          <a:chExt cx="0" cy="0"/>
+        </a:xfrm>
+      </p:grpSpPr>
+      <p:sp>
+        <p:nvSpPr>
+          <p:cNvPr id="2" name="Slide Image Placeholder 1"/>
+          <p:cNvSpPr>
+            <a:spLocks noGrp="1" noRot="1" noChangeAspect="1"/>
+          </p:cNvSpPr>
+          <p:nvPr>
+            <p:ph type="sldImg"/>
+          </p:nvPr>
+        </p:nvSpPr>
+        <p:spPr/>
+      </p:sp>
+      <p:sp>
+        <p:nvSpPr>
+          <p:cNvPr id="3" name="Notes Placeholder 2"/>
+          <p:cNvSpPr>
+            <a:spLocks noGrp="1"/>
+          </p:cNvSpPr>
+          <p:nvPr>
+            <p:ph type="body" idx="1"/>
+          </p:nvPr>
+        </p:nvSpPr>
+        <p:spPr/>
+        <p:txBody>
+          <a:bodyPr/>
+          <a:lstStyle/>
+          <a:p>
+            <a:r>
+              <a:rPr lang="en-US" dirty="0"/>
+              <a:t>Joe</a:t>
+            </a:r>
+          </a:p>
+        </p:txBody>
+      </p:sp>
+      <p:sp>
+        <p:nvSpPr>
+          <p:cNvPr id="4" name="Slide Number Placeholder 3"/>
+          <p:cNvSpPr>
+            <a:spLocks noGrp="1"/>
+          </p:cNvSpPr>
+          <p:nvPr>
+            <p:ph type="sldNum" sz="quarter" idx="5"/>
+          </p:nvPr>
+        </p:nvSpPr>
+        <p:spPr/>
+        <p:txBody>
+          <a:bodyPr/>
+          <a:lstStyle/>
+          <a:p>
+            <a:fld id="{33440139-8F54-8E41-A393-7A1F753AC871}" type="slidenum">
+              <a:rPr lang="en-US" smtClean="0"/>
+              <a:t>7</a:t>
+            </a:fld>
+            <a:endParaRPr lang="en-US"/>
+          </a:p>
+        </p:txBody>
+      </p:sp>
+    </p:spTree>
+    <p:extLst>
+      <p:ext uri="{BB962C8B-B14F-4D97-AF65-F5344CB8AC3E}">
+        <p14:creationId xmlns:p14="http://schemas.microsoft.com/office/powerpoint/2010/main" val="4015836161"/>
+      </p:ext>
+    </p:extLst>
+  </p:cSld>
+  <p:clrMapOvr>
+    <a:masterClrMapping/>
+  </p:clrMapOvr>
+</p:notes>
+</file>
+
+<file path=ppt/notesSlides/notesSlide8.xml><?xml version="1.0" encoding="utf-8"?>
+<p:notes xmlns:a="http://schemas.openxmlformats.org/drawingml/2006/main" xmlns:r="http://schemas.openxmlformats.org/officeDocument/2006/relationships" xmlns:p="http://schemas.openxmlformats.org/presentationml/2006/main">
+  <p:cSld>
+    <p:spTree>
+      <p:nvGrpSpPr>
+        <p:cNvPr id="1" name=""/>
+        <p:cNvGrpSpPr/>
+        <p:nvPr/>
+      </p:nvGrpSpPr>
+      <p:grpSpPr>
+        <a:xfrm>
+          <a:off x="0" y="0"/>
+          <a:ext cx="0" cy="0"/>
+          <a:chOff x="0" y="0"/>
+          <a:chExt cx="0" cy="0"/>
+        </a:xfrm>
+      </p:grpSpPr>
+      <p:sp>
+        <p:nvSpPr>
+          <p:cNvPr id="2" name="Slide Image Placeholder 1"/>
+          <p:cNvSpPr>
+            <a:spLocks noGrp="1" noRot="1" noChangeAspect="1"/>
+          </p:cNvSpPr>
+          <p:nvPr>
+            <p:ph type="sldImg"/>
+          </p:nvPr>
+        </p:nvSpPr>
+        <p:spPr/>
+      </p:sp>
+      <p:sp>
+        <p:nvSpPr>
+          <p:cNvPr id="3" name="Notes Placeholder 2"/>
+          <p:cNvSpPr>
+            <a:spLocks noGrp="1"/>
+          </p:cNvSpPr>
+          <p:nvPr>
+            <p:ph type="body" idx="1"/>
+          </p:nvPr>
+        </p:nvSpPr>
+        <p:spPr/>
+        <p:txBody>
+          <a:bodyPr/>
+          <a:lstStyle/>
+          <a:p>
+            <a:r>
+              <a:rPr lang="en-US" dirty="0"/>
+              <a:t>Amy</a:t>
+            </a:r>
+          </a:p>
+        </p:txBody>
+      </p:sp>
+      <p:sp>
+        <p:nvSpPr>
+          <p:cNvPr id="4" name="Slide Number Placeholder 3"/>
+          <p:cNvSpPr>
+            <a:spLocks noGrp="1"/>
+          </p:cNvSpPr>
+          <p:nvPr>
+            <p:ph type="sldNum" sz="quarter" idx="5"/>
+          </p:nvPr>
+        </p:nvSpPr>
+        <p:spPr/>
+        <p:txBody>
+          <a:bodyPr/>
+          <a:lstStyle/>
+          <a:p>
+            <a:fld id="{33440139-8F54-8E41-A393-7A1F753AC871}" type="slidenum">
+              <a:rPr lang="en-US" smtClean="0"/>
+              <a:t>8</a:t>
+            </a:fld>
+            <a:endParaRPr lang="en-US"/>
+          </a:p>
+        </p:txBody>
+      </p:sp>
+    </p:spTree>
+    <p:extLst>
+      <p:ext uri="{BB962C8B-B14F-4D97-AF65-F5344CB8AC3E}">
+        <p14:creationId xmlns:p14="http://schemas.microsoft.com/office/powerpoint/2010/main" val="2095582497"/>
+      </p:ext>
+    </p:extLst>
+  </p:cSld>
+  <p:clrMapOvr>
+    <a:masterClrMapping/>
+  </p:clrMapOvr>
+</p:notes>
+</file>
+
+<file path=ppt/notesSlides/notesSlide9.xml><?xml version="1.0" encoding="utf-8"?>
+<p:notes xmlns:a="http://schemas.openxmlformats.org/drawingml/2006/main" xmlns:r="http://schemas.openxmlformats.org/officeDocument/2006/relationships" xmlns:p="http://schemas.openxmlformats.org/presentationml/2006/main">
+  <p:cSld>
+    <p:spTree>
+      <p:nvGrpSpPr>
+        <p:cNvPr id="1" name=""/>
+        <p:cNvGrpSpPr/>
+        <p:nvPr/>
+      </p:nvGrpSpPr>
+      <p:grpSpPr>
+        <a:xfrm>
+          <a:off x="0" y="0"/>
+          <a:ext cx="0" cy="0"/>
+          <a:chOff x="0" y="0"/>
+          <a:chExt cx="0" cy="0"/>
+        </a:xfrm>
+      </p:grpSpPr>
+      <p:sp>
+        <p:nvSpPr>
+          <p:cNvPr id="2" name="Slide Image Placeholder 1"/>
+          <p:cNvSpPr>
+            <a:spLocks noGrp="1" noRot="1" noChangeAspect="1"/>
+          </p:cNvSpPr>
+          <p:nvPr>
+            <p:ph type="sldImg"/>
+          </p:nvPr>
+        </p:nvSpPr>
+        <p:spPr/>
+      </p:sp>
+      <p:sp>
+        <p:nvSpPr>
+          <p:cNvPr id="3" name="Notes Placeholder 2"/>
+          <p:cNvSpPr>
+            <a:spLocks noGrp="1"/>
+          </p:cNvSpPr>
+          <p:nvPr>
+            <p:ph type="body" idx="1"/>
+          </p:nvPr>
+        </p:nvSpPr>
+        <p:spPr/>
+        <p:txBody>
+          <a:bodyPr/>
+          <a:lstStyle/>
+          <a:p>
+            <a:r>
+              <a:rPr lang="en-US" dirty="0"/>
+              <a:t>Gaby</a:t>
+            </a:r>
+          </a:p>
+        </p:txBody>
+      </p:sp>
+      <p:sp>
+        <p:nvSpPr>
+          <p:cNvPr id="4" name="Slide Number Placeholder 3"/>
+          <p:cNvSpPr>
+            <a:spLocks noGrp="1"/>
+          </p:cNvSpPr>
+          <p:nvPr>
+            <p:ph type="sldNum" sz="quarter" idx="5"/>
+          </p:nvPr>
+        </p:nvSpPr>
+        <p:spPr/>
+        <p:txBody>
+          <a:bodyPr/>
+          <a:lstStyle/>
+          <a:p>
+            <a:fld id="{33440139-8F54-8E41-A393-7A1F753AC871}" type="slidenum">
+              <a:rPr lang="en-US" smtClean="0"/>
+              <a:t>9</a:t>
+            </a:fld>
+            <a:endParaRPr lang="en-US"/>
+          </a:p>
+        </p:txBody>
+      </p:sp>
+    </p:spTree>
+    <p:extLst>
+      <p:ext uri="{BB962C8B-B14F-4D97-AF65-F5344CB8AC3E}">
+        <p14:creationId xmlns:p14="http://schemas.microsoft.com/office/powerpoint/2010/main" val="2331682031"/>
+      </p:ext>
+    </p:extLst>
+  </p:cSld>
+  <p:clrMapOvr>
+    <a:masterClrMapping/>
+  </p:clrMapOvr>
+</p:notes>
+</file>
+
 <file path=ppt/slideLayouts/slideLayout1.xml><?xml version="1.0" encoding="utf-8"?>
 <p:sldLayout xmlns:a="http://schemas.openxmlformats.org/drawingml/2006/main" xmlns:r="http://schemas.openxmlformats.org/officeDocument/2006/relationships" xmlns:p="http://schemas.openxmlformats.org/presentationml/2006/main" type="title" preserve="1">
   <p:cSld name="Title Slide">
@@ -5321,7 +6379,7 @@
           <p:nvPr/>
         </p:nvPicPr>
         <p:blipFill rotWithShape="1">
-          <a:blip r:embed="rId2">
+          <a:blip r:embed="rId3">
             <a:alphaModFix/>
           </a:blip>
           <a:srcRect l="17201" r="13052" b="-2"/>
@@ -5355,7 +6413,7 @@
           <p:nvPr/>
         </p:nvPicPr>
         <p:blipFill rotWithShape="1">
-          <a:blip r:embed="rId3">
+          <a:blip r:embed="rId4">
             <a:alphaModFix/>
           </a:blip>
           <a:srcRect l="5687" r="-1" b="-1"/>
@@ -5398,7 +6456,7 @@
           </p:nvPr>
         </p:nvPicPr>
         <p:blipFill>
-          <a:blip r:embed="rId4">
+          <a:blip r:embed="rId5">
             <a:extLst>
               <a:ext uri="{28A0092B-C50C-407E-A947-70E740481C1C}">
                 <a14:useLocalDpi xmlns:a14="http://schemas.microsoft.com/office/drawing/2010/main" val="0"/>
@@ -5524,7 +6582,7 @@
           <p:nvPr/>
         </p:nvPicPr>
         <p:blipFill>
-          <a:blip r:embed="rId5"/>
+          <a:blip r:embed="rId6"/>
           <a:stretch>
             <a:fillRect/>
           </a:stretch>
@@ -5774,7 +6832,7 @@
           </p:nvPr>
         </p:nvPicPr>
         <p:blipFill>
-          <a:blip r:embed="rId2"/>
+          <a:blip r:embed="rId3"/>
           <a:stretch>
             <a:fillRect/>
           </a:stretch>
@@ -6026,7 +7084,7 @@
           <p:nvPr/>
         </p:nvPicPr>
         <p:blipFill>
-          <a:blip r:embed="rId2"/>
+          <a:blip r:embed="rId3"/>
           <a:stretch>
             <a:fillRect/>
           </a:stretch>
@@ -6058,7 +7116,7 @@
           </p:nvPr>
         </p:nvPicPr>
         <p:blipFill>
-          <a:blip r:embed="rId3"/>
+          <a:blip r:embed="rId4"/>
           <a:stretch>
             <a:fillRect/>
           </a:stretch>
@@ -6347,7 +7405,7 @@
           </p:nvPr>
         </p:nvPicPr>
         <p:blipFill>
-          <a:blip r:embed="rId2"/>
+          <a:blip r:embed="rId3"/>
           <a:stretch>
             <a:fillRect/>
           </a:stretch>
@@ -7100,13 +8158,13 @@
           <p:nvPr/>
         </p:nvPicPr>
         <p:blipFill>
-          <a:blip r:embed="rId2">
+          <a:blip r:embed="rId3">
             <a:extLst>
               <a:ext uri="{28A0092B-C50C-407E-A947-70E740481C1C}">
                 <a14:useLocalDpi xmlns:a14="http://schemas.microsoft.com/office/drawing/2010/main" val="0"/>
               </a:ext>
               <a:ext uri="{96DAC541-7B7A-43D3-8B79-37D633B846F1}">
-                <asvg:svgBlip xmlns:asvg="http://schemas.microsoft.com/office/drawing/2016/SVG/main" r:embed="rId3"/>
+                <asvg:svgBlip xmlns:asvg="http://schemas.microsoft.com/office/drawing/2016/SVG/main" r:embed="rId4"/>
               </a:ext>
             </a:extLst>
           </a:blip>
@@ -7816,7 +8874,7 @@
           <p:nvPr/>
         </p:nvPicPr>
         <p:blipFill rotWithShape="1">
-          <a:blip r:embed="rId2"/>
+          <a:blip r:embed="rId3"/>
           <a:srcRect l="17885" r="30872"/>
           <a:stretch/>
         </p:blipFill>
@@ -7956,7 +9014,7 @@
           <p:nvPr/>
         </p:nvPicPr>
         <p:blipFill rotWithShape="1">
-          <a:blip r:embed="rId2"/>
+          <a:blip r:embed="rId3"/>
           <a:srcRect b="15414"/>
           <a:stretch/>
         </p:blipFill>
@@ -8238,7 +9296,7 @@
             </a:pPr>
             <a:r>
               <a:rPr lang="en-US" sz="1800" dirty="0"/>
-              <a:t>Obtaining the CSV</a:t>
+              <a:t>Obtaining the CSV from Kaggle</a:t>
             </a:r>
           </a:p>
           <a:p>
@@ -8431,7 +9489,7 @@
           </p:nvPr>
         </p:nvPicPr>
         <p:blipFill>
-          <a:blip r:embed="rId2">
+          <a:blip r:embed="rId3">
             <a:extLst>
               <a:ext uri="{28A0092B-C50C-407E-A947-70E740481C1C}">
                 <a14:useLocalDpi xmlns:a14="http://schemas.microsoft.com/office/drawing/2010/main" val="0"/>
@@ -8693,7 +9751,7 @@
           <p:nvPr/>
         </p:nvPicPr>
         <p:blipFill>
-          <a:blip r:embed="rId3"/>
+          <a:blip r:embed="rId4"/>
           <a:stretch>
             <a:fillRect/>
           </a:stretch>
@@ -8870,7 +9928,7 @@
           <p:nvPr/>
         </p:nvPicPr>
         <p:blipFill>
-          <a:blip r:embed="rId2"/>
+          <a:blip r:embed="rId3"/>
           <a:stretch>
             <a:fillRect/>
           </a:stretch>
@@ -9093,7 +10151,7 @@
         </p:xfrm>
         <a:graphic>
           <a:graphicData uri="http://schemas.openxmlformats.org/drawingml/2006/chart">
-            <c:chart xmlns:c="http://schemas.openxmlformats.org/drawingml/2006/chart" xmlns:r="http://schemas.openxmlformats.org/officeDocument/2006/relationships" r:id="rId2"/>
+            <c:chart xmlns:c="http://schemas.openxmlformats.org/drawingml/2006/chart" xmlns:r="http://schemas.openxmlformats.org/officeDocument/2006/relationships" r:id="rId3"/>
           </a:graphicData>
         </a:graphic>
       </p:graphicFrame>
@@ -9325,10 +10383,10 @@
       </p:sp>
       <p:pic>
         <p:nvPicPr>
-          <p:cNvPr id="4" name="Content Placeholder 3">
-            <a:extLst>
-              <a:ext uri="{FF2B5EF4-FFF2-40B4-BE49-F238E27FC236}">
-                <a16:creationId xmlns:a16="http://schemas.microsoft.com/office/drawing/2014/main" id="{338D5369-84C9-2B4E-99C4-09B94A94153E}"/>
+          <p:cNvPr id="7" name="Content Placeholder 6" descr="A screenshot of a social media post&#10;&#10;Description automatically generated">
+            <a:extLst>
+              <a:ext uri="{FF2B5EF4-FFF2-40B4-BE49-F238E27FC236}">
+                <a16:creationId xmlns:a16="http://schemas.microsoft.com/office/drawing/2014/main" id="{1585D462-E19F-1243-AD06-2EE63D2607F3}"/>
               </a:ext>
             </a:extLst>
           </p:cNvPr>
@@ -9340,18 +10398,15 @@
           </p:nvPr>
         </p:nvPicPr>
         <p:blipFill rotWithShape="1">
-          <a:blip r:embed="rId2"/>
-          <a:srcRect l="9107" t="3644"/>
+          <a:blip r:embed="rId3"/>
+          <a:srcRect l="5951" t="958"/>
           <a:stretch/>
         </p:blipFill>
         <p:spPr>
           <a:xfrm>
-            <a:off x="3639671" y="697006"/>
-            <a:ext cx="8000847" cy="5470712"/>
+            <a:off x="3577543" y="562520"/>
+            <a:ext cx="8188772" cy="5569339"/>
           </a:xfrm>
-          <a:prstGeom prst="rect">
-            <a:avLst/>
-          </a:prstGeom>
         </p:spPr>
       </p:pic>
     </p:spTree>

--- a/CTA_Tweets_Sentiment_Analysis.pptx
+++ b/CTA_Tweets_Sentiment_Analysis.pptx
@@ -1137,7 +1137,7 @@
           <a:p>
             <a:fld id="{8965C24A-5761-1B40-A05F-94C54865E98E}" type="datetimeFigureOut">
               <a:rPr lang="en-US" smtClean="0"/>
-              <a:t>10/29/19</a:t>
+              <a:t>10/29/2019</a:t>
             </a:fld>
             <a:endParaRPr lang="en-US"/>
           </a:p>
@@ -1551,7 +1551,7 @@
           <a:p>
             <a:fld id="{2E7E546F-C483-7240-8BA7-56E98D10C275}" type="datetimeFigureOut">
               <a:rPr lang="en-US" smtClean="0"/>
-              <a:t>10/29/19</a:t>
+              <a:t>10/29/2019</a:t>
             </a:fld>
             <a:endParaRPr lang="en-US"/>
           </a:p>
@@ -1749,7 +1749,7 @@
           <a:p>
             <a:fld id="{2E7E546F-C483-7240-8BA7-56E98D10C275}" type="datetimeFigureOut">
               <a:rPr lang="en-US" smtClean="0"/>
-              <a:t>10/29/19</a:t>
+              <a:t>10/29/2019</a:t>
             </a:fld>
             <a:endParaRPr lang="en-US"/>
           </a:p>
@@ -1957,7 +1957,7 @@
           <a:p>
             <a:fld id="{2E7E546F-C483-7240-8BA7-56E98D10C275}" type="datetimeFigureOut">
               <a:rPr lang="en-US" smtClean="0"/>
-              <a:t>10/29/19</a:t>
+              <a:t>10/29/2019</a:t>
             </a:fld>
             <a:endParaRPr lang="en-US"/>
           </a:p>
@@ -2834,7 +2834,7 @@
           <a:p>
             <a:fld id="{2E7E546F-C483-7240-8BA7-56E98D10C275}" type="datetimeFigureOut">
               <a:rPr lang="en-US" smtClean="0"/>
-              <a:t>10/29/19</a:t>
+              <a:t>10/29/2019</a:t>
             </a:fld>
             <a:endParaRPr lang="en-US"/>
           </a:p>
@@ -3109,7 +3109,7 @@
           <a:p>
             <a:fld id="{2E7E546F-C483-7240-8BA7-56E98D10C275}" type="datetimeFigureOut">
               <a:rPr lang="en-US" smtClean="0"/>
-              <a:t>10/29/19</a:t>
+              <a:t>10/29/2019</a:t>
             </a:fld>
             <a:endParaRPr lang="en-US"/>
           </a:p>
@@ -3374,7 +3374,7 @@
           <a:p>
             <a:fld id="{2E7E546F-C483-7240-8BA7-56E98D10C275}" type="datetimeFigureOut">
               <a:rPr lang="en-US" smtClean="0"/>
-              <a:t>10/29/19</a:t>
+              <a:t>10/29/2019</a:t>
             </a:fld>
             <a:endParaRPr lang="en-US"/>
           </a:p>
@@ -3786,7 +3786,7 @@
           <a:p>
             <a:fld id="{2E7E546F-C483-7240-8BA7-56E98D10C275}" type="datetimeFigureOut">
               <a:rPr lang="en-US" smtClean="0"/>
-              <a:t>10/29/19</a:t>
+              <a:t>10/29/2019</a:t>
             </a:fld>
             <a:endParaRPr lang="en-US"/>
           </a:p>
@@ -3927,7 +3927,7 @@
           <a:p>
             <a:fld id="{2E7E546F-C483-7240-8BA7-56E98D10C275}" type="datetimeFigureOut">
               <a:rPr lang="en-US" smtClean="0"/>
-              <a:t>10/29/19</a:t>
+              <a:t>10/29/2019</a:t>
             </a:fld>
             <a:endParaRPr lang="en-US"/>
           </a:p>
@@ -4040,7 +4040,7 @@
           <a:p>
             <a:fld id="{2E7E546F-C483-7240-8BA7-56E98D10C275}" type="datetimeFigureOut">
               <a:rPr lang="en-US" smtClean="0"/>
-              <a:t>10/29/19</a:t>
+              <a:t>10/29/2019</a:t>
             </a:fld>
             <a:endParaRPr lang="en-US"/>
           </a:p>
@@ -4351,7 +4351,7 @@
           <a:p>
             <a:fld id="{2E7E546F-C483-7240-8BA7-56E98D10C275}" type="datetimeFigureOut">
               <a:rPr lang="en-US" smtClean="0"/>
-              <a:t>10/29/19</a:t>
+              <a:t>10/29/2019</a:t>
             </a:fld>
             <a:endParaRPr lang="en-US"/>
           </a:p>
@@ -4639,7 +4639,7 @@
           <a:p>
             <a:fld id="{2E7E546F-C483-7240-8BA7-56E98D10C275}" type="datetimeFigureOut">
               <a:rPr lang="en-US" smtClean="0"/>
-              <a:t>10/29/19</a:t>
+              <a:t>10/29/2019</a:t>
             </a:fld>
             <a:endParaRPr lang="en-US"/>
           </a:p>
@@ -4880,7 +4880,7 @@
           <a:p>
             <a:fld id="{2E7E546F-C483-7240-8BA7-56E98D10C275}" type="datetimeFigureOut">
               <a:rPr lang="en-US" smtClean="0"/>
-              <a:t>10/29/19</a:t>
+              <a:t>10/29/2019</a:t>
             </a:fld>
             <a:endParaRPr lang="en-US"/>
           </a:p>

--- a/CTA_Tweets_Sentiment_Analysis.pptx
+++ b/CTA_Tweets_Sentiment_Analysis.pptx
@@ -6552,18 +6552,29 @@
           <a:p>
             <a:pPr algn="l"/>
             <a:r>
-              <a:rPr lang="en-US" sz="1800">
+              <a:rPr lang="en-US" sz="1800" dirty="0">
                 <a:solidFill>
                   <a:srgbClr val="000000"/>
                 </a:solidFill>
               </a:rPr>
-              <a:t>Group Members: Joseph Wantroba, Amy Cleveland, Garima Chauhan, Gabriela Hernandez, Kelly Lao</a:t>
-            </a:r>
-            <a:endParaRPr lang="en-US" sz="1800" dirty="0">
-              <a:solidFill>
-                <a:srgbClr val="000000"/>
-              </a:solidFill>
-            </a:endParaRPr>
+              <a:t>Group Members: Joseph </a:t>
+            </a:r>
+            <a:r>
+              <a:rPr lang="en-US" sz="1800" dirty="0" err="1">
+                <a:solidFill>
+                  <a:srgbClr val="000000"/>
+                </a:solidFill>
+              </a:rPr>
+              <a:t>Wantroba</a:t>
+            </a:r>
+            <a:r>
+              <a:rPr lang="en-US" sz="1800" dirty="0">
+                <a:solidFill>
+                  <a:srgbClr val="000000"/>
+                </a:solidFill>
+              </a:rPr>
+              <a:t>, Amy Cleveland, Garima Chauhan, Gabriela Hernandez, Kelly Lao </a:t>
+            </a:r>
           </a:p>
         </p:txBody>
       </p:sp>
